--- a/slides/control-abstraction.pptx
+++ b/slides/control-abstraction.pptx
@@ -28,6 +28,22 @@
     <p:sldId id="276" r:id="rId22"/>
     <p:sldId id="277" r:id="rId23"/>
     <p:sldId id="278" r:id="rId24"/>
+    <p:sldId id="279" r:id="rId25"/>
+    <p:sldId id="280" r:id="rId26"/>
+    <p:sldId id="281" r:id="rId27"/>
+    <p:sldId id="282" r:id="rId28"/>
+    <p:sldId id="283" r:id="rId29"/>
+    <p:sldId id="284" r:id="rId30"/>
+    <p:sldId id="285" r:id="rId31"/>
+    <p:sldId id="286" r:id="rId32"/>
+    <p:sldId id="287" r:id="rId33"/>
+    <p:sldId id="288" r:id="rId34"/>
+    <p:sldId id="289" r:id="rId35"/>
+    <p:sldId id="290" r:id="rId36"/>
+    <p:sldId id="291" r:id="rId37"/>
+    <p:sldId id="292" r:id="rId38"/>
+    <p:sldId id="293" r:id="rId39"/>
+    <p:sldId id="294" r:id="rId40"/>
   </p:sldIdLst>
   <p:sldSz cx="9144000" cy="5143500" type="screen16x9"/>
   <p:notesSz cx="6858000" cy="9144000"/>
@@ -8554,7 +8570,7 @@
         <p:spPr/>
         <p:txBody>
           <a:bodyPr>
-            <a:normAutofit fontScale="92500"/>
+            <a:normAutofit fontScale="92500" lnSpcReduction="20000"/>
           </a:bodyPr>
           <a:lstStyle/>
           <a:p>
@@ -8581,6 +8597,12 @@
               <a:rPr lang="en-US" sz="2400" dirty="0" smtClean="0"/>
               <a:t>, which may vary from one function invocation to the next.</a:t>
             </a:r>
+          </a:p>
+          <a:p>
+            <a:pPr marL="0" indent="0">
+              <a:buNone/>
+            </a:pPr>
+            <a:endParaRPr lang="en-US" sz="2400" dirty="0" smtClean="0"/>
           </a:p>
           <a:p>
             <a:r>
@@ -8683,7 +8705,12 @@
             <p:ph idx="1"/>
           </p:nvPr>
         </p:nvSpPr>
-        <p:spPr/>
+        <p:spPr>
+          <a:xfrm>
+            <a:off x="457200" y="1200151"/>
+            <a:ext cx="8229600" cy="3672350"/>
+          </a:xfrm>
+        </p:spPr>
         <p:txBody>
           <a:bodyPr>
             <a:normAutofit/>
@@ -8719,13 +8746,44 @@
           <a:p>
             <a:r>
               <a:rPr lang="en-US" sz="2200" dirty="0" smtClean="0"/>
-              <a:t>Search for files with names matching a </a:t>
-            </a:r>
-            <a:r>
-              <a:rPr lang="en-US" sz="2200" smtClean="0"/>
-              <a:t>regular expression.</a:t>
-            </a:r>
+              <a:t>Search for files with names matching a regular expression.</a:t>
+            </a:r>
+          </a:p>
+          <a:p>
+            <a:pPr marL="0" indent="0">
+              <a:buNone/>
+            </a:pPr>
             <a:endParaRPr lang="en-US" sz="2200" dirty="0" smtClean="0"/>
+          </a:p>
+          <a:p>
+            <a:pPr marL="0" indent="0" algn="r">
+              <a:buNone/>
+            </a:pPr>
+            <a:r>
+              <a:rPr lang="en-US" sz="2200" dirty="0" err="1" smtClean="0"/>
+              <a:t>func</a:t>
+            </a:r>
+            <a:r>
+              <a:rPr lang="en-US" sz="2200" dirty="0" smtClean="0"/>
+              <a:t>-comp/</a:t>
+            </a:r>
+            <a:r>
+              <a:rPr lang="en-US" sz="2200" dirty="0" err="1" smtClean="0"/>
+              <a:t>src</a:t>
+            </a:r>
+            <a:r>
+              <a:rPr lang="en-US" sz="2200" dirty="0" smtClean="0"/>
+              <a:t>/main/</a:t>
+            </a:r>
+            <a:r>
+              <a:rPr lang="en-US" sz="2200" dirty="0" err="1" smtClean="0"/>
+              <a:t>scala</a:t>
+            </a:r>
+            <a:r>
+              <a:rPr lang="en-US" sz="2200" dirty="0" smtClean="0"/>
+              <a:t>/cs220/files</a:t>
+            </a:r>
+            <a:endParaRPr lang="en-US" sz="2200" dirty="0"/>
           </a:p>
         </p:txBody>
       </p:sp>
@@ -8733,6 +8791,2210 @@
     <p:extLst>
       <p:ext uri="{BB962C8B-B14F-4D97-AF65-F5344CB8AC3E}">
         <p14:creationId xmlns:p14="http://schemas.microsoft.com/office/powerpoint/2010/main" val="3651019958"/>
+      </p:ext>
+    </p:extLst>
+  </p:cSld>
+  <p:clrMapOvr>
+    <a:masterClrMapping/>
+  </p:clrMapOvr>
+</p:sld>
+</file>
+
+<file path=ppt/slides/slide24.xml><?xml version="1.0" encoding="utf-8"?>
+<p:sld xmlns:a="http://schemas.openxmlformats.org/drawingml/2006/main" xmlns:r="http://schemas.openxmlformats.org/officeDocument/2006/relationships" xmlns:p="http://schemas.openxmlformats.org/presentationml/2006/main">
+  <p:cSld>
+    <p:spTree>
+      <p:nvGrpSpPr>
+        <p:cNvPr id="1" name=""/>
+        <p:cNvGrpSpPr/>
+        <p:nvPr/>
+      </p:nvGrpSpPr>
+      <p:grpSpPr>
+        <a:xfrm>
+          <a:off x="0" y="0"/>
+          <a:ext cx="0" cy="0"/>
+          <a:chOff x="0" y="0"/>
+          <a:chExt cx="0" cy="0"/>
+        </a:xfrm>
+      </p:grpSpPr>
+      <p:sp>
+        <p:nvSpPr>
+          <p:cNvPr id="2" name="Title 1"/>
+          <p:cNvSpPr>
+            <a:spLocks noGrp="1"/>
+          </p:cNvSpPr>
+          <p:nvPr>
+            <p:ph type="title"/>
+          </p:nvPr>
+        </p:nvSpPr>
+        <p:spPr/>
+        <p:txBody>
+          <a:bodyPr/>
+          <a:lstStyle/>
+          <a:p>
+            <a:r>
+              <a:rPr lang="en-US" dirty="0" smtClean="0"/>
+              <a:t>API Implementation</a:t>
+            </a:r>
+            <a:endParaRPr lang="en-US" dirty="0"/>
+          </a:p>
+        </p:txBody>
+      </p:sp>
+      <p:sp>
+        <p:nvSpPr>
+          <p:cNvPr id="3" name="Content Placeholder 2"/>
+          <p:cNvSpPr>
+            <a:spLocks noGrp="1"/>
+          </p:cNvSpPr>
+          <p:nvPr>
+            <p:ph idx="1"/>
+          </p:nvPr>
+        </p:nvSpPr>
+        <p:spPr/>
+        <p:txBody>
+          <a:bodyPr>
+            <a:normAutofit/>
+          </a:bodyPr>
+          <a:lstStyle/>
+          <a:p>
+            <a:pPr marL="0" indent="0">
+              <a:buNone/>
+            </a:pPr>
+            <a:r>
+              <a:rPr lang="en-US" sz="2400" dirty="0" smtClean="0"/>
+              <a:t>This example demonstrates that </a:t>
+            </a:r>
+            <a:r>
+              <a:rPr lang="en-US" sz="2400" i="1" dirty="0" smtClean="0"/>
+              <a:t>higher-order</a:t>
+            </a:r>
+            <a:r>
+              <a:rPr lang="en-US" sz="2400" dirty="0" smtClean="0"/>
+              <a:t> functions can help reduce code duplication as you </a:t>
+            </a:r>
+            <a:r>
+              <a:rPr lang="en-US" sz="2400" b="1" dirty="0" smtClean="0"/>
+              <a:t>implement</a:t>
+            </a:r>
+            <a:r>
+              <a:rPr lang="en-US" sz="2400" dirty="0" smtClean="0"/>
+              <a:t> an API.</a:t>
+            </a:r>
+          </a:p>
+          <a:p>
+            <a:pPr marL="0" indent="0">
+              <a:buNone/>
+            </a:pPr>
+            <a:endParaRPr lang="en-US" sz="2400" dirty="0"/>
+          </a:p>
+          <a:p>
+            <a:pPr marL="0" indent="0">
+              <a:buNone/>
+            </a:pPr>
+            <a:r>
+              <a:rPr lang="en-US" sz="2400" dirty="0" smtClean="0"/>
+              <a:t>Another important use of </a:t>
+            </a:r>
+            <a:r>
+              <a:rPr lang="en-US" sz="2400" i="1" dirty="0" smtClean="0"/>
+              <a:t>higher-order</a:t>
+            </a:r>
+            <a:r>
+              <a:rPr lang="en-US" sz="2400" dirty="0" smtClean="0"/>
+              <a:t> functions is to use them with the API itself to make </a:t>
+            </a:r>
+            <a:r>
+              <a:rPr lang="en-US" sz="2400" b="1" dirty="0" smtClean="0"/>
+              <a:t>client code</a:t>
+            </a:r>
+            <a:r>
+              <a:rPr lang="en-US" sz="2400" dirty="0" smtClean="0"/>
+              <a:t> more concise – thus reducing code duplication for the client of the API.</a:t>
+            </a:r>
+            <a:endParaRPr lang="en-US" sz="2400" dirty="0"/>
+          </a:p>
+        </p:txBody>
+      </p:sp>
+    </p:spTree>
+    <p:extLst>
+      <p:ext uri="{BB962C8B-B14F-4D97-AF65-F5344CB8AC3E}">
+        <p14:creationId xmlns:p14="http://schemas.microsoft.com/office/powerpoint/2010/main" val="645239988"/>
+      </p:ext>
+    </p:extLst>
+  </p:cSld>
+  <p:clrMapOvr>
+    <a:masterClrMapping/>
+  </p:clrMapOvr>
+</p:sld>
+</file>
+
+<file path=ppt/slides/slide25.xml><?xml version="1.0" encoding="utf-8"?>
+<p:sld xmlns:a="http://schemas.openxmlformats.org/drawingml/2006/main" xmlns:r="http://schemas.openxmlformats.org/officeDocument/2006/relationships" xmlns:p="http://schemas.openxmlformats.org/presentationml/2006/main">
+  <p:cSld>
+    <p:spTree>
+      <p:nvGrpSpPr>
+        <p:cNvPr id="1" name=""/>
+        <p:cNvGrpSpPr/>
+        <p:nvPr/>
+      </p:nvGrpSpPr>
+      <p:grpSpPr>
+        <a:xfrm>
+          <a:off x="0" y="0"/>
+          <a:ext cx="0" cy="0"/>
+          <a:chOff x="0" y="0"/>
+          <a:chExt cx="0" cy="0"/>
+        </a:xfrm>
+      </p:grpSpPr>
+      <p:sp>
+        <p:nvSpPr>
+          <p:cNvPr id="2" name="Title 1"/>
+          <p:cNvSpPr>
+            <a:spLocks noGrp="1"/>
+          </p:cNvSpPr>
+          <p:nvPr>
+            <p:ph type="title"/>
+          </p:nvPr>
+        </p:nvSpPr>
+        <p:spPr/>
+        <p:txBody>
+          <a:bodyPr/>
+          <a:lstStyle/>
+          <a:p>
+            <a:r>
+              <a:rPr lang="en-US" dirty="0" smtClean="0"/>
+              <a:t>Client API Usage</a:t>
+            </a:r>
+            <a:endParaRPr lang="en-US" dirty="0"/>
+          </a:p>
+        </p:txBody>
+      </p:sp>
+      <p:sp>
+        <p:nvSpPr>
+          <p:cNvPr id="3" name="Content Placeholder 2"/>
+          <p:cNvSpPr>
+            <a:spLocks noGrp="1"/>
+          </p:cNvSpPr>
+          <p:nvPr>
+            <p:ph idx="1"/>
+          </p:nvPr>
+        </p:nvSpPr>
+        <p:spPr>
+          <a:xfrm>
+            <a:off x="197057" y="1060074"/>
+            <a:ext cx="3547029" cy="3754670"/>
+          </a:xfrm>
+          <a:ln>
+            <a:solidFill>
+              <a:schemeClr val="tx1"/>
+            </a:solidFill>
+            <a:prstDash val="sysDash"/>
+          </a:ln>
+        </p:spPr>
+        <p:txBody>
+          <a:bodyPr>
+            <a:normAutofit/>
+          </a:bodyPr>
+          <a:lstStyle/>
+          <a:p>
+            <a:pPr marL="0" indent="0">
+              <a:buNone/>
+            </a:pPr>
+            <a:r>
+              <a:rPr lang="en-US" sz="2000" dirty="0" smtClean="0"/>
+              <a:t>What if we wanted to determine if a list contains a negative number.</a:t>
+            </a:r>
+          </a:p>
+          <a:p>
+            <a:pPr marL="0" indent="0">
+              <a:buNone/>
+            </a:pPr>
+            <a:endParaRPr lang="en-US" sz="2000" dirty="0"/>
+          </a:p>
+          <a:p>
+            <a:pPr marL="0" indent="0">
+              <a:buNone/>
+            </a:pPr>
+            <a:r>
+              <a:rPr lang="en-US" sz="2000" dirty="0" smtClean="0"/>
+              <a:t>Here is one way of doing it…</a:t>
+            </a:r>
+          </a:p>
+          <a:p>
+            <a:pPr marL="0" indent="0">
+              <a:buNone/>
+            </a:pPr>
+            <a:endParaRPr lang="en-US" sz="2000" dirty="0"/>
+          </a:p>
+          <a:p>
+            <a:pPr marL="0" indent="0">
+              <a:buNone/>
+            </a:pPr>
+            <a:r>
+              <a:rPr lang="en-US" sz="2000" dirty="0" smtClean="0"/>
+              <a:t>How could we change this to take advantage of the client API of the List class to simplify this code?</a:t>
+            </a:r>
+          </a:p>
+        </p:txBody>
+      </p:sp>
+      <p:sp>
+        <p:nvSpPr>
+          <p:cNvPr id="6" name="TextBox 5"/>
+          <p:cNvSpPr txBox="1"/>
+          <p:nvPr/>
+        </p:nvSpPr>
+        <p:spPr>
+          <a:xfrm>
+            <a:off x="3886401" y="1060074"/>
+            <a:ext cx="5090648" cy="1815882"/>
+          </a:xfrm>
+          <a:prstGeom prst="rect">
+            <a:avLst/>
+          </a:prstGeom>
+          <a:noFill/>
+        </p:spPr>
+        <p:txBody>
+          <a:bodyPr wrap="square" rtlCol="0">
+            <a:spAutoFit/>
+          </a:bodyPr>
+          <a:lstStyle/>
+          <a:p>
+            <a:r>
+              <a:rPr lang="en-US" sz="1600" dirty="0" err="1" smtClean="0">
+                <a:latin typeface="Andale Mono"/>
+                <a:cs typeface="Andale Mono"/>
+              </a:rPr>
+              <a:t>def</a:t>
+            </a:r>
+            <a:r>
+              <a:rPr lang="en-US" sz="1600" dirty="0" smtClean="0">
+                <a:latin typeface="Andale Mono"/>
+                <a:cs typeface="Andale Mono"/>
+              </a:rPr>
+              <a:t> </a:t>
+            </a:r>
+            <a:r>
+              <a:rPr lang="en-US" sz="1600" dirty="0" err="1" smtClean="0">
+                <a:latin typeface="Andale Mono"/>
+                <a:cs typeface="Andale Mono"/>
+              </a:rPr>
+              <a:t>containsNeg</a:t>
+            </a:r>
+            <a:r>
+              <a:rPr lang="en-US" sz="1600" dirty="0" smtClean="0">
+                <a:latin typeface="Andale Mono"/>
+                <a:cs typeface="Andale Mono"/>
+              </a:rPr>
+              <a:t>(</a:t>
+            </a:r>
+            <a:r>
+              <a:rPr lang="en-US" sz="1600" dirty="0" err="1" smtClean="0">
+                <a:latin typeface="Andale Mono"/>
+                <a:cs typeface="Andale Mono"/>
+              </a:rPr>
+              <a:t>nums</a:t>
+            </a:r>
+            <a:r>
+              <a:rPr lang="en-US" sz="1600" dirty="0" smtClean="0">
+                <a:latin typeface="Andale Mono"/>
+                <a:cs typeface="Andale Mono"/>
+              </a:rPr>
+              <a:t>: List[</a:t>
+            </a:r>
+            <a:r>
+              <a:rPr lang="en-US" sz="1600" dirty="0" err="1" smtClean="0">
+                <a:latin typeface="Andale Mono"/>
+                <a:cs typeface="Andale Mono"/>
+              </a:rPr>
+              <a:t>Int</a:t>
+            </a:r>
+            <a:r>
+              <a:rPr lang="en-US" sz="1600" dirty="0" smtClean="0">
+                <a:latin typeface="Andale Mono"/>
+                <a:cs typeface="Andale Mono"/>
+              </a:rPr>
+              <a:t>]) = {</a:t>
+            </a:r>
+          </a:p>
+          <a:p>
+            <a:r>
+              <a:rPr lang="en-US" sz="1600" dirty="0" smtClean="0">
+                <a:latin typeface="Andale Mono"/>
+                <a:cs typeface="Andale Mono"/>
+              </a:rPr>
+              <a:t>  </a:t>
+            </a:r>
+            <a:r>
+              <a:rPr lang="en-US" sz="1600" dirty="0" err="1" smtClean="0">
+                <a:latin typeface="Andale Mono"/>
+                <a:cs typeface="Andale Mono"/>
+              </a:rPr>
+              <a:t>var</a:t>
+            </a:r>
+            <a:r>
+              <a:rPr lang="en-US" sz="1600" dirty="0" smtClean="0">
+                <a:latin typeface="Andale Mono"/>
+                <a:cs typeface="Andale Mono"/>
+              </a:rPr>
+              <a:t> exists = false</a:t>
+            </a:r>
+          </a:p>
+          <a:p>
+            <a:r>
+              <a:rPr lang="en-US" sz="1600" dirty="0">
+                <a:latin typeface="Andale Mono"/>
+                <a:cs typeface="Andale Mono"/>
+              </a:rPr>
+              <a:t> </a:t>
+            </a:r>
+            <a:r>
+              <a:rPr lang="en-US" sz="1600" dirty="0" smtClean="0">
+                <a:latin typeface="Andale Mono"/>
+                <a:cs typeface="Andale Mono"/>
+              </a:rPr>
+              <a:t> for (</a:t>
+            </a:r>
+            <a:r>
+              <a:rPr lang="en-US" sz="1600" dirty="0" err="1" smtClean="0">
+                <a:latin typeface="Andale Mono"/>
+                <a:cs typeface="Andale Mono"/>
+              </a:rPr>
+              <a:t>num</a:t>
+            </a:r>
+            <a:r>
+              <a:rPr lang="en-US" sz="1600" dirty="0" smtClean="0">
+                <a:latin typeface="Andale Mono"/>
+                <a:cs typeface="Andale Mono"/>
+              </a:rPr>
+              <a:t> &lt;- </a:t>
+            </a:r>
+            <a:r>
+              <a:rPr lang="en-US" sz="1600" dirty="0" err="1" smtClean="0">
+                <a:latin typeface="Andale Mono"/>
+                <a:cs typeface="Andale Mono"/>
+              </a:rPr>
+              <a:t>nums</a:t>
+            </a:r>
+            <a:r>
+              <a:rPr lang="en-US" sz="1600" dirty="0" smtClean="0">
+                <a:latin typeface="Andale Mono"/>
+                <a:cs typeface="Andale Mono"/>
+              </a:rPr>
+              <a:t>)</a:t>
+            </a:r>
+          </a:p>
+          <a:p>
+            <a:r>
+              <a:rPr lang="en-US" sz="1600" dirty="0">
+                <a:latin typeface="Andale Mono"/>
+                <a:cs typeface="Andale Mono"/>
+              </a:rPr>
+              <a:t> </a:t>
+            </a:r>
+            <a:r>
+              <a:rPr lang="en-US" sz="1600" dirty="0" smtClean="0">
+                <a:latin typeface="Andale Mono"/>
+                <a:cs typeface="Andale Mono"/>
+              </a:rPr>
+              <a:t>   if (</a:t>
+            </a:r>
+            <a:r>
+              <a:rPr lang="en-US" sz="1600" dirty="0" err="1" smtClean="0">
+                <a:latin typeface="Andale Mono"/>
+                <a:cs typeface="Andale Mono"/>
+              </a:rPr>
+              <a:t>num</a:t>
+            </a:r>
+            <a:r>
+              <a:rPr lang="en-US" sz="1600" dirty="0" smtClean="0">
+                <a:latin typeface="Andale Mono"/>
+                <a:cs typeface="Andale Mono"/>
+              </a:rPr>
+              <a:t> &lt; 0)</a:t>
+            </a:r>
+          </a:p>
+          <a:p>
+            <a:r>
+              <a:rPr lang="en-US" sz="1600" dirty="0">
+                <a:latin typeface="Andale Mono"/>
+                <a:cs typeface="Andale Mono"/>
+              </a:rPr>
+              <a:t> </a:t>
+            </a:r>
+            <a:r>
+              <a:rPr lang="en-US" sz="1600" dirty="0" smtClean="0">
+                <a:latin typeface="Andale Mono"/>
+                <a:cs typeface="Andale Mono"/>
+              </a:rPr>
+              <a:t>     exists = true</a:t>
+            </a:r>
+          </a:p>
+          <a:p>
+            <a:r>
+              <a:rPr lang="en-US" sz="1600" dirty="0">
+                <a:latin typeface="Andale Mono"/>
+                <a:cs typeface="Andale Mono"/>
+              </a:rPr>
+              <a:t> </a:t>
+            </a:r>
+            <a:r>
+              <a:rPr lang="en-US" sz="1600" dirty="0" smtClean="0">
+                <a:latin typeface="Andale Mono"/>
+                <a:cs typeface="Andale Mono"/>
+              </a:rPr>
+              <a:t> exists</a:t>
+            </a:r>
+            <a:endParaRPr lang="en-US" sz="1600" dirty="0">
+              <a:latin typeface="Andale Mono"/>
+              <a:cs typeface="Andale Mono"/>
+            </a:endParaRPr>
+          </a:p>
+          <a:p>
+            <a:r>
+              <a:rPr lang="en-US" sz="1600" dirty="0" smtClean="0">
+                <a:latin typeface="Andale Mono"/>
+                <a:cs typeface="Andale Mono"/>
+              </a:rPr>
+              <a:t>}</a:t>
+            </a:r>
+          </a:p>
+        </p:txBody>
+      </p:sp>
+      <p:sp>
+        <p:nvSpPr>
+          <p:cNvPr id="4" name="TextBox 3"/>
+          <p:cNvSpPr txBox="1"/>
+          <p:nvPr/>
+        </p:nvSpPr>
+        <p:spPr>
+          <a:xfrm>
+            <a:off x="5084863" y="4467311"/>
+            <a:ext cx="3892186" cy="369332"/>
+          </a:xfrm>
+          <a:prstGeom prst="rect">
+            <a:avLst/>
+          </a:prstGeom>
+          <a:noFill/>
+        </p:spPr>
+        <p:txBody>
+          <a:bodyPr wrap="none" rtlCol="0">
+            <a:spAutoFit/>
+          </a:bodyPr>
+          <a:lstStyle/>
+          <a:p>
+            <a:r>
+              <a:rPr lang="en-US" dirty="0" err="1" smtClean="0"/>
+              <a:t>func</a:t>
+            </a:r>
+            <a:r>
+              <a:rPr lang="en-US" dirty="0" smtClean="0"/>
+              <a:t>-comp/</a:t>
+            </a:r>
+            <a:r>
+              <a:rPr lang="en-US" dirty="0" err="1" smtClean="0"/>
+              <a:t>src</a:t>
+            </a:r>
+            <a:r>
+              <a:rPr lang="en-US" dirty="0" smtClean="0"/>
+              <a:t>/main/</a:t>
+            </a:r>
+            <a:r>
+              <a:rPr lang="en-US" dirty="0" err="1" smtClean="0"/>
+              <a:t>scala</a:t>
+            </a:r>
+            <a:r>
+              <a:rPr lang="en-US" dirty="0" smtClean="0"/>
+              <a:t>/cs220/client</a:t>
+            </a:r>
+            <a:endParaRPr lang="en-US" dirty="0"/>
+          </a:p>
+        </p:txBody>
+      </p:sp>
+    </p:spTree>
+    <p:extLst>
+      <p:ext uri="{BB962C8B-B14F-4D97-AF65-F5344CB8AC3E}">
+        <p14:creationId xmlns:p14="http://schemas.microsoft.com/office/powerpoint/2010/main" val="2399222814"/>
+      </p:ext>
+    </p:extLst>
+  </p:cSld>
+  <p:clrMapOvr>
+    <a:masterClrMapping/>
+  </p:clrMapOvr>
+</p:sld>
+</file>
+
+<file path=ppt/slides/slide26.xml><?xml version="1.0" encoding="utf-8"?>
+<p:sld xmlns:a="http://schemas.openxmlformats.org/drawingml/2006/main" xmlns:r="http://schemas.openxmlformats.org/officeDocument/2006/relationships" xmlns:p="http://schemas.openxmlformats.org/presentationml/2006/main">
+  <p:cSld>
+    <p:spTree>
+      <p:nvGrpSpPr>
+        <p:cNvPr id="1" name=""/>
+        <p:cNvGrpSpPr/>
+        <p:nvPr/>
+      </p:nvGrpSpPr>
+      <p:grpSpPr>
+        <a:xfrm>
+          <a:off x="0" y="0"/>
+          <a:ext cx="0" cy="0"/>
+          <a:chOff x="0" y="0"/>
+          <a:chExt cx="0" cy="0"/>
+        </a:xfrm>
+      </p:grpSpPr>
+      <p:sp>
+        <p:nvSpPr>
+          <p:cNvPr id="2" name="Title 1"/>
+          <p:cNvSpPr>
+            <a:spLocks noGrp="1"/>
+          </p:cNvSpPr>
+          <p:nvPr>
+            <p:ph type="title"/>
+          </p:nvPr>
+        </p:nvSpPr>
+        <p:spPr/>
+        <p:txBody>
+          <a:bodyPr/>
+          <a:lstStyle/>
+          <a:p>
+            <a:r>
+              <a:rPr lang="en-US" dirty="0" smtClean="0"/>
+              <a:t>Control Abstraction</a:t>
+            </a:r>
+            <a:endParaRPr lang="en-US" dirty="0"/>
+          </a:p>
+        </p:txBody>
+      </p:sp>
+      <p:sp>
+        <p:nvSpPr>
+          <p:cNvPr id="3" name="Content Placeholder 2"/>
+          <p:cNvSpPr>
+            <a:spLocks noGrp="1"/>
+          </p:cNvSpPr>
+          <p:nvPr>
+            <p:ph idx="1"/>
+          </p:nvPr>
+        </p:nvSpPr>
+        <p:spPr>
+          <a:xfrm>
+            <a:off x="197057" y="1060074"/>
+            <a:ext cx="3547029" cy="3754670"/>
+          </a:xfrm>
+          <a:ln>
+            <a:solidFill>
+              <a:schemeClr val="tx1"/>
+            </a:solidFill>
+            <a:prstDash val="sysDash"/>
+          </a:ln>
+        </p:spPr>
+        <p:txBody>
+          <a:bodyPr>
+            <a:normAutofit lnSpcReduction="10000"/>
+          </a:bodyPr>
+          <a:lstStyle/>
+          <a:p>
+            <a:pPr marL="0" indent="0">
+              <a:buNone/>
+            </a:pPr>
+            <a:r>
+              <a:rPr lang="en-US" sz="2000" dirty="0" smtClean="0"/>
+              <a:t>The List class (and many others from the </a:t>
+            </a:r>
+            <a:r>
+              <a:rPr lang="en-US" sz="2000" dirty="0" err="1" smtClean="0"/>
+              <a:t>Scala</a:t>
+            </a:r>
+            <a:r>
+              <a:rPr lang="en-US" sz="2000" dirty="0" smtClean="0"/>
+              <a:t> collection classes) provide methods that are abstractions of typical control flow.</a:t>
+            </a:r>
+          </a:p>
+          <a:p>
+            <a:pPr marL="0" indent="0">
+              <a:buNone/>
+            </a:pPr>
+            <a:endParaRPr lang="en-US" sz="2000" dirty="0"/>
+          </a:p>
+          <a:p>
+            <a:pPr marL="0" indent="0">
+              <a:buNone/>
+            </a:pPr>
+            <a:r>
+              <a:rPr lang="en-US" sz="2000" dirty="0" smtClean="0"/>
+              <a:t>At the same time, these methods are clearly </a:t>
+            </a:r>
+            <a:r>
+              <a:rPr lang="en-US" sz="2000" b="1" dirty="0" smtClean="0"/>
+              <a:t>methods</a:t>
+            </a:r>
+            <a:r>
+              <a:rPr lang="en-US" sz="2000" dirty="0" smtClean="0"/>
+              <a:t>.</a:t>
+            </a:r>
+          </a:p>
+          <a:p>
+            <a:pPr marL="0" indent="0">
+              <a:buNone/>
+            </a:pPr>
+            <a:endParaRPr lang="en-US" sz="2000" dirty="0" smtClean="0"/>
+          </a:p>
+          <a:p>
+            <a:pPr marL="0" indent="0">
+              <a:buNone/>
+            </a:pPr>
+            <a:r>
+              <a:rPr lang="en-US" sz="2000" dirty="0" smtClean="0"/>
+              <a:t>Is it possible to write methods that look like regular control flow constructs?</a:t>
+            </a:r>
+            <a:endParaRPr lang="en-US" sz="2000" dirty="0"/>
+          </a:p>
+        </p:txBody>
+      </p:sp>
+      <p:sp>
+        <p:nvSpPr>
+          <p:cNvPr id="6" name="TextBox 5"/>
+          <p:cNvSpPr txBox="1"/>
+          <p:nvPr/>
+        </p:nvSpPr>
+        <p:spPr>
+          <a:xfrm>
+            <a:off x="3886401" y="1060074"/>
+            <a:ext cx="5090648" cy="2554545"/>
+          </a:xfrm>
+          <a:prstGeom prst="rect">
+            <a:avLst/>
+          </a:prstGeom>
+          <a:noFill/>
+        </p:spPr>
+        <p:txBody>
+          <a:bodyPr wrap="square" rtlCol="0">
+            <a:spAutoFit/>
+          </a:bodyPr>
+          <a:lstStyle/>
+          <a:p>
+            <a:r>
+              <a:rPr lang="en-US" sz="1600" dirty="0" err="1" smtClean="0">
+                <a:latin typeface="Andale Mono"/>
+                <a:cs typeface="Andale Mono"/>
+              </a:rPr>
+              <a:t>def</a:t>
+            </a:r>
+            <a:r>
+              <a:rPr lang="en-US" sz="1600" dirty="0" smtClean="0">
+                <a:latin typeface="Andale Mono"/>
+                <a:cs typeface="Andale Mono"/>
+              </a:rPr>
+              <a:t> </a:t>
+            </a:r>
+            <a:r>
+              <a:rPr lang="en-US" sz="1600" dirty="0" err="1" smtClean="0">
+                <a:latin typeface="Andale Mono"/>
+                <a:cs typeface="Andale Mono"/>
+              </a:rPr>
+              <a:t>containsNeg</a:t>
+            </a:r>
+            <a:r>
+              <a:rPr lang="en-US" sz="1600" dirty="0" smtClean="0">
+                <a:latin typeface="Andale Mono"/>
+                <a:cs typeface="Andale Mono"/>
+              </a:rPr>
+              <a:t>(</a:t>
+            </a:r>
+            <a:r>
+              <a:rPr lang="en-US" sz="1600" dirty="0" err="1" smtClean="0">
+                <a:latin typeface="Andale Mono"/>
+                <a:cs typeface="Andale Mono"/>
+              </a:rPr>
+              <a:t>nums</a:t>
+            </a:r>
+            <a:r>
+              <a:rPr lang="en-US" sz="1600" dirty="0" smtClean="0">
+                <a:latin typeface="Andale Mono"/>
+                <a:cs typeface="Andale Mono"/>
+              </a:rPr>
+              <a:t>: List[</a:t>
+            </a:r>
+            <a:r>
+              <a:rPr lang="en-US" sz="1600" dirty="0" err="1" smtClean="0">
+                <a:latin typeface="Andale Mono"/>
+                <a:cs typeface="Andale Mono"/>
+              </a:rPr>
+              <a:t>Int</a:t>
+            </a:r>
+            <a:r>
+              <a:rPr lang="en-US" sz="1600" dirty="0" smtClean="0">
+                <a:latin typeface="Andale Mono"/>
+                <a:cs typeface="Andale Mono"/>
+              </a:rPr>
+              <a:t>]) = {</a:t>
+            </a:r>
+          </a:p>
+          <a:p>
+            <a:r>
+              <a:rPr lang="en-US" sz="1600" dirty="0" smtClean="0">
+                <a:latin typeface="Andale Mono"/>
+                <a:cs typeface="Andale Mono"/>
+              </a:rPr>
+              <a:t>  </a:t>
+            </a:r>
+            <a:r>
+              <a:rPr lang="en-US" sz="1600" dirty="0" err="1" smtClean="0">
+                <a:latin typeface="Andale Mono"/>
+                <a:cs typeface="Andale Mono"/>
+              </a:rPr>
+              <a:t>var</a:t>
+            </a:r>
+            <a:r>
+              <a:rPr lang="en-US" sz="1600" dirty="0" smtClean="0">
+                <a:latin typeface="Andale Mono"/>
+                <a:cs typeface="Andale Mono"/>
+              </a:rPr>
+              <a:t> exists = false</a:t>
+            </a:r>
+          </a:p>
+          <a:p>
+            <a:r>
+              <a:rPr lang="en-US" sz="1600" dirty="0">
+                <a:latin typeface="Andale Mono"/>
+                <a:cs typeface="Andale Mono"/>
+              </a:rPr>
+              <a:t> </a:t>
+            </a:r>
+            <a:r>
+              <a:rPr lang="en-US" sz="1600" dirty="0" smtClean="0">
+                <a:latin typeface="Andale Mono"/>
+                <a:cs typeface="Andale Mono"/>
+              </a:rPr>
+              <a:t> for (</a:t>
+            </a:r>
+            <a:r>
+              <a:rPr lang="en-US" sz="1600" dirty="0" err="1" smtClean="0">
+                <a:latin typeface="Andale Mono"/>
+                <a:cs typeface="Andale Mono"/>
+              </a:rPr>
+              <a:t>num</a:t>
+            </a:r>
+            <a:r>
+              <a:rPr lang="en-US" sz="1600" dirty="0" smtClean="0">
+                <a:latin typeface="Andale Mono"/>
+                <a:cs typeface="Andale Mono"/>
+              </a:rPr>
+              <a:t> &lt;- </a:t>
+            </a:r>
+            <a:r>
+              <a:rPr lang="en-US" sz="1600" dirty="0" err="1" smtClean="0">
+                <a:latin typeface="Andale Mono"/>
+                <a:cs typeface="Andale Mono"/>
+              </a:rPr>
+              <a:t>nums</a:t>
+            </a:r>
+            <a:r>
+              <a:rPr lang="en-US" sz="1600" dirty="0" smtClean="0">
+                <a:latin typeface="Andale Mono"/>
+                <a:cs typeface="Andale Mono"/>
+              </a:rPr>
+              <a:t>)</a:t>
+            </a:r>
+          </a:p>
+          <a:p>
+            <a:r>
+              <a:rPr lang="en-US" sz="1600" dirty="0">
+                <a:latin typeface="Andale Mono"/>
+                <a:cs typeface="Andale Mono"/>
+              </a:rPr>
+              <a:t> </a:t>
+            </a:r>
+            <a:r>
+              <a:rPr lang="en-US" sz="1600" dirty="0" smtClean="0">
+                <a:latin typeface="Andale Mono"/>
+                <a:cs typeface="Andale Mono"/>
+              </a:rPr>
+              <a:t>   if (</a:t>
+            </a:r>
+            <a:r>
+              <a:rPr lang="en-US" sz="1600" dirty="0" err="1" smtClean="0">
+                <a:latin typeface="Andale Mono"/>
+                <a:cs typeface="Andale Mono"/>
+              </a:rPr>
+              <a:t>num</a:t>
+            </a:r>
+            <a:r>
+              <a:rPr lang="en-US" sz="1600" dirty="0" smtClean="0">
+                <a:latin typeface="Andale Mono"/>
+                <a:cs typeface="Andale Mono"/>
+              </a:rPr>
+              <a:t> &lt; 0)</a:t>
+            </a:r>
+          </a:p>
+          <a:p>
+            <a:r>
+              <a:rPr lang="en-US" sz="1600" dirty="0">
+                <a:latin typeface="Andale Mono"/>
+                <a:cs typeface="Andale Mono"/>
+              </a:rPr>
+              <a:t> </a:t>
+            </a:r>
+            <a:r>
+              <a:rPr lang="en-US" sz="1600" dirty="0" smtClean="0">
+                <a:latin typeface="Andale Mono"/>
+                <a:cs typeface="Andale Mono"/>
+              </a:rPr>
+              <a:t>     exists = true</a:t>
+            </a:r>
+          </a:p>
+          <a:p>
+            <a:r>
+              <a:rPr lang="en-US" sz="1600" dirty="0">
+                <a:latin typeface="Andale Mono"/>
+                <a:cs typeface="Andale Mono"/>
+              </a:rPr>
+              <a:t> </a:t>
+            </a:r>
+            <a:r>
+              <a:rPr lang="en-US" sz="1600" dirty="0" smtClean="0">
+                <a:latin typeface="Andale Mono"/>
+                <a:cs typeface="Andale Mono"/>
+              </a:rPr>
+              <a:t> exists</a:t>
+            </a:r>
+            <a:endParaRPr lang="en-US" sz="1600" dirty="0">
+              <a:latin typeface="Andale Mono"/>
+              <a:cs typeface="Andale Mono"/>
+            </a:endParaRPr>
+          </a:p>
+          <a:p>
+            <a:r>
+              <a:rPr lang="en-US" sz="1600" dirty="0" smtClean="0">
+                <a:latin typeface="Andale Mono"/>
+                <a:cs typeface="Andale Mono"/>
+              </a:rPr>
+              <a:t>}</a:t>
+            </a:r>
+          </a:p>
+          <a:p>
+            <a:endParaRPr lang="en-US" sz="1600" dirty="0">
+              <a:latin typeface="Andale Mono"/>
+              <a:cs typeface="Andale Mono"/>
+            </a:endParaRPr>
+          </a:p>
+          <a:p>
+            <a:r>
+              <a:rPr lang="en-US" sz="1600" dirty="0" err="1" smtClean="0">
+                <a:latin typeface="Andale Mono"/>
+                <a:cs typeface="Andale Mono"/>
+              </a:rPr>
+              <a:t>def</a:t>
+            </a:r>
+            <a:r>
+              <a:rPr lang="en-US" sz="1600" dirty="0" smtClean="0">
+                <a:latin typeface="Andale Mono"/>
+                <a:cs typeface="Andale Mono"/>
+              </a:rPr>
+              <a:t> </a:t>
+            </a:r>
+            <a:r>
+              <a:rPr lang="en-US" sz="1600" dirty="0" err="1" smtClean="0">
+                <a:latin typeface="Andale Mono"/>
+                <a:cs typeface="Andale Mono"/>
+              </a:rPr>
+              <a:t>containsNeg</a:t>
+            </a:r>
+            <a:r>
+              <a:rPr lang="en-US" sz="1600" dirty="0" smtClean="0">
+                <a:latin typeface="Andale Mono"/>
+                <a:cs typeface="Andale Mono"/>
+              </a:rPr>
+              <a:t>(</a:t>
+            </a:r>
+            <a:r>
+              <a:rPr lang="en-US" sz="1600" dirty="0" err="1" smtClean="0">
+                <a:latin typeface="Andale Mono"/>
+                <a:cs typeface="Andale Mono"/>
+              </a:rPr>
+              <a:t>nums</a:t>
+            </a:r>
+            <a:r>
+              <a:rPr lang="en-US" sz="1600" dirty="0" smtClean="0">
+                <a:latin typeface="Andale Mono"/>
+                <a:cs typeface="Andale Mono"/>
+              </a:rPr>
+              <a:t>: List[</a:t>
+            </a:r>
+            <a:r>
+              <a:rPr lang="en-US" sz="1600" dirty="0" err="1" smtClean="0">
+                <a:latin typeface="Andale Mono"/>
+                <a:cs typeface="Andale Mono"/>
+              </a:rPr>
+              <a:t>Int</a:t>
+            </a:r>
+            <a:r>
+              <a:rPr lang="en-US" sz="1600" dirty="0" smtClean="0">
+                <a:latin typeface="Andale Mono"/>
+                <a:cs typeface="Andale Mono"/>
+              </a:rPr>
+              <a:t>]) =</a:t>
+            </a:r>
+          </a:p>
+          <a:p>
+            <a:r>
+              <a:rPr lang="en-US" sz="1600" dirty="0">
+                <a:latin typeface="Andale Mono"/>
+                <a:cs typeface="Andale Mono"/>
+              </a:rPr>
+              <a:t> </a:t>
+            </a:r>
+            <a:r>
+              <a:rPr lang="en-US" sz="1600" dirty="0" smtClean="0">
+                <a:latin typeface="Andale Mono"/>
+                <a:cs typeface="Andale Mono"/>
+              </a:rPr>
+              <a:t> </a:t>
+            </a:r>
+            <a:r>
+              <a:rPr lang="en-US" sz="1600" dirty="0" err="1" smtClean="0">
+                <a:latin typeface="Andale Mono"/>
+                <a:cs typeface="Andale Mono"/>
+              </a:rPr>
+              <a:t>nums.</a:t>
+            </a:r>
+            <a:r>
+              <a:rPr lang="en-US" sz="1600" b="1" dirty="0" err="1" smtClean="0">
+                <a:solidFill>
+                  <a:srgbClr val="FF0000"/>
+                </a:solidFill>
+                <a:latin typeface="Andale Mono"/>
+                <a:cs typeface="Andale Mono"/>
+              </a:rPr>
+              <a:t>exists</a:t>
+            </a:r>
+            <a:r>
+              <a:rPr lang="en-US" sz="1600" dirty="0" smtClean="0">
+                <a:latin typeface="Andale Mono"/>
+                <a:cs typeface="Andale Mono"/>
+              </a:rPr>
+              <a:t>(_ &lt; 0)</a:t>
+            </a:r>
+          </a:p>
+        </p:txBody>
+      </p:sp>
+      <p:sp>
+        <p:nvSpPr>
+          <p:cNvPr id="4" name="TextBox 3"/>
+          <p:cNvSpPr txBox="1"/>
+          <p:nvPr/>
+        </p:nvSpPr>
+        <p:spPr>
+          <a:xfrm>
+            <a:off x="5084863" y="4467311"/>
+            <a:ext cx="3892186" cy="369332"/>
+          </a:xfrm>
+          <a:prstGeom prst="rect">
+            <a:avLst/>
+          </a:prstGeom>
+          <a:noFill/>
+        </p:spPr>
+        <p:txBody>
+          <a:bodyPr wrap="none" rtlCol="0">
+            <a:spAutoFit/>
+          </a:bodyPr>
+          <a:lstStyle/>
+          <a:p>
+            <a:r>
+              <a:rPr lang="en-US" dirty="0" err="1" smtClean="0"/>
+              <a:t>func</a:t>
+            </a:r>
+            <a:r>
+              <a:rPr lang="en-US" dirty="0" smtClean="0"/>
+              <a:t>-comp/</a:t>
+            </a:r>
+            <a:r>
+              <a:rPr lang="en-US" dirty="0" err="1" smtClean="0"/>
+              <a:t>src</a:t>
+            </a:r>
+            <a:r>
+              <a:rPr lang="en-US" dirty="0" smtClean="0"/>
+              <a:t>/main/</a:t>
+            </a:r>
+            <a:r>
+              <a:rPr lang="en-US" dirty="0" err="1" smtClean="0"/>
+              <a:t>scala</a:t>
+            </a:r>
+            <a:r>
+              <a:rPr lang="en-US" dirty="0" smtClean="0"/>
+              <a:t>/cs220/client</a:t>
+            </a:r>
+            <a:endParaRPr lang="en-US" dirty="0"/>
+          </a:p>
+        </p:txBody>
+      </p:sp>
+    </p:spTree>
+    <p:extLst>
+      <p:ext uri="{BB962C8B-B14F-4D97-AF65-F5344CB8AC3E}">
+        <p14:creationId xmlns:p14="http://schemas.microsoft.com/office/powerpoint/2010/main" val="146907823"/>
+      </p:ext>
+    </p:extLst>
+  </p:cSld>
+  <p:clrMapOvr>
+    <a:masterClrMapping/>
+  </p:clrMapOvr>
+</p:sld>
+</file>
+
+<file path=ppt/slides/slide27.xml><?xml version="1.0" encoding="utf-8"?>
+<p:sld xmlns:a="http://schemas.openxmlformats.org/drawingml/2006/main" xmlns:r="http://schemas.openxmlformats.org/officeDocument/2006/relationships" xmlns:p="http://schemas.openxmlformats.org/presentationml/2006/main">
+  <p:cSld>
+    <p:spTree>
+      <p:nvGrpSpPr>
+        <p:cNvPr id="1" name=""/>
+        <p:cNvGrpSpPr/>
+        <p:nvPr/>
+      </p:nvGrpSpPr>
+      <p:grpSpPr>
+        <a:xfrm>
+          <a:off x="0" y="0"/>
+          <a:ext cx="0" cy="0"/>
+          <a:chOff x="0" y="0"/>
+          <a:chExt cx="0" cy="0"/>
+        </a:xfrm>
+      </p:grpSpPr>
+      <p:sp>
+        <p:nvSpPr>
+          <p:cNvPr id="2" name="Title 1"/>
+          <p:cNvSpPr>
+            <a:spLocks noGrp="1"/>
+          </p:cNvSpPr>
+          <p:nvPr>
+            <p:ph type="title"/>
+          </p:nvPr>
+        </p:nvSpPr>
+        <p:spPr/>
+        <p:txBody>
+          <a:bodyPr/>
+          <a:lstStyle/>
+          <a:p>
+            <a:r>
+              <a:rPr lang="en-US" dirty="0" smtClean="0"/>
+              <a:t>Currying</a:t>
+            </a:r>
+            <a:endParaRPr lang="en-US" dirty="0"/>
+          </a:p>
+        </p:txBody>
+      </p:sp>
+      <p:sp>
+        <p:nvSpPr>
+          <p:cNvPr id="3" name="Content Placeholder 2"/>
+          <p:cNvSpPr>
+            <a:spLocks noGrp="1"/>
+          </p:cNvSpPr>
+          <p:nvPr>
+            <p:ph idx="1"/>
+          </p:nvPr>
+        </p:nvSpPr>
+        <p:spPr>
+          <a:xfrm>
+            <a:off x="197057" y="1060074"/>
+            <a:ext cx="3547029" cy="3754670"/>
+          </a:xfrm>
+          <a:ln>
+            <a:solidFill>
+              <a:schemeClr val="tx1"/>
+            </a:solidFill>
+            <a:prstDash val="sysDash"/>
+          </a:ln>
+        </p:spPr>
+        <p:txBody>
+          <a:bodyPr>
+            <a:normAutofit/>
+          </a:bodyPr>
+          <a:lstStyle/>
+          <a:p>
+            <a:pPr marL="0" indent="0">
+              <a:buNone/>
+            </a:pPr>
+            <a:r>
+              <a:rPr lang="en-US" sz="2000" dirty="0" smtClean="0"/>
+              <a:t>To create our own control structures we must first understand currying…</a:t>
+            </a:r>
+          </a:p>
+          <a:p>
+            <a:pPr marL="0" indent="0">
+              <a:buNone/>
+            </a:pPr>
+            <a:endParaRPr lang="en-US" sz="2000" dirty="0" smtClean="0"/>
+          </a:p>
+          <a:p>
+            <a:pPr marL="0" indent="0">
+              <a:buNone/>
+            </a:pPr>
+            <a:r>
+              <a:rPr lang="en-US" sz="2000" b="1" dirty="0" err="1" smtClean="0"/>
+              <a:t>Defn</a:t>
+            </a:r>
+            <a:r>
+              <a:rPr lang="en-US" sz="2000" dirty="0" smtClean="0"/>
+              <a:t>: Currying is the processes of evaluating a function that takes multiple parameters into evaluating a sequence of functions where each take a single parameter.</a:t>
+            </a:r>
+            <a:endParaRPr lang="en-US" sz="2000" dirty="0"/>
+          </a:p>
+        </p:txBody>
+      </p:sp>
+      <p:sp>
+        <p:nvSpPr>
+          <p:cNvPr id="6" name="TextBox 5"/>
+          <p:cNvSpPr txBox="1"/>
+          <p:nvPr/>
+        </p:nvSpPr>
+        <p:spPr>
+          <a:xfrm>
+            <a:off x="3886401" y="1060074"/>
+            <a:ext cx="5090648" cy="2308324"/>
+          </a:xfrm>
+          <a:prstGeom prst="rect">
+            <a:avLst/>
+          </a:prstGeom>
+          <a:noFill/>
+        </p:spPr>
+        <p:txBody>
+          <a:bodyPr wrap="square" rtlCol="0">
+            <a:spAutoFit/>
+          </a:bodyPr>
+          <a:lstStyle/>
+          <a:p>
+            <a:r>
+              <a:rPr lang="en-US" sz="1600" dirty="0" err="1" smtClean="0">
+                <a:latin typeface="Andale Mono"/>
+                <a:cs typeface="Andale Mono"/>
+              </a:rPr>
+              <a:t>def</a:t>
+            </a:r>
+            <a:r>
+              <a:rPr lang="en-US" sz="1600" dirty="0" smtClean="0">
+                <a:latin typeface="Andale Mono"/>
+                <a:cs typeface="Andale Mono"/>
+              </a:rPr>
+              <a:t> a(x, y, z) = x + y + z</a:t>
+            </a:r>
+          </a:p>
+          <a:p>
+            <a:endParaRPr lang="en-US" sz="1600" dirty="0">
+              <a:latin typeface="Andale Mono"/>
+              <a:cs typeface="Andale Mono"/>
+            </a:endParaRPr>
+          </a:p>
+          <a:p>
+            <a:endParaRPr lang="en-US" sz="1600" dirty="0" smtClean="0">
+              <a:latin typeface="Andale Mono"/>
+              <a:cs typeface="Andale Mono"/>
+            </a:endParaRPr>
+          </a:p>
+          <a:p>
+            <a:endParaRPr lang="en-US" sz="1600" dirty="0">
+              <a:latin typeface="Andale Mono"/>
+              <a:cs typeface="Andale Mono"/>
+            </a:endParaRPr>
+          </a:p>
+          <a:p>
+            <a:endParaRPr lang="en-US" sz="1600" dirty="0" smtClean="0">
+              <a:latin typeface="Andale Mono"/>
+              <a:cs typeface="Andale Mono"/>
+            </a:endParaRPr>
+          </a:p>
+          <a:p>
+            <a:r>
+              <a:rPr lang="en-US" sz="1600" dirty="0" err="1" smtClean="0">
+                <a:latin typeface="Andale Mono"/>
+                <a:cs typeface="Andale Mono"/>
+              </a:rPr>
+              <a:t>def</a:t>
+            </a:r>
+            <a:r>
+              <a:rPr lang="en-US" sz="1600" dirty="0" smtClean="0">
+                <a:latin typeface="Andale Mono"/>
+                <a:cs typeface="Andale Mono"/>
+              </a:rPr>
+              <a:t> b(x) = (y) =&gt; (z) =&gt; x + y + z</a:t>
+            </a:r>
+          </a:p>
+          <a:p>
+            <a:endParaRPr lang="en-US" sz="1600" dirty="0" smtClean="0">
+              <a:latin typeface="Andale Mono"/>
+              <a:cs typeface="Andale Mono"/>
+            </a:endParaRPr>
+          </a:p>
+          <a:p>
+            <a:r>
+              <a:rPr lang="en-US" sz="1600" dirty="0" smtClean="0">
+                <a:latin typeface="Andale Mono"/>
+                <a:cs typeface="Andale Mono"/>
+              </a:rPr>
+              <a:t>b(1, 2, 3) // evaluates to 6</a:t>
+            </a:r>
+            <a:endParaRPr lang="en-US" sz="1600" dirty="0">
+              <a:latin typeface="Andale Mono"/>
+              <a:cs typeface="Andale Mono"/>
+            </a:endParaRPr>
+          </a:p>
+          <a:p>
+            <a:r>
+              <a:rPr lang="en-US" sz="1600" dirty="0" smtClean="0">
+                <a:latin typeface="Andale Mono"/>
+                <a:cs typeface="Andale Mono"/>
+              </a:rPr>
+              <a:t>a(1)(2)(3) // evaluates to 6</a:t>
+            </a:r>
+          </a:p>
+        </p:txBody>
+      </p:sp>
+      <p:sp>
+        <p:nvSpPr>
+          <p:cNvPr id="4" name="TextBox 3"/>
+          <p:cNvSpPr txBox="1"/>
+          <p:nvPr/>
+        </p:nvSpPr>
+        <p:spPr>
+          <a:xfrm>
+            <a:off x="5084863" y="4467311"/>
+            <a:ext cx="3859500" cy="369332"/>
+          </a:xfrm>
+          <a:prstGeom prst="rect">
+            <a:avLst/>
+          </a:prstGeom>
+          <a:noFill/>
+        </p:spPr>
+        <p:txBody>
+          <a:bodyPr wrap="none" rtlCol="0">
+            <a:spAutoFit/>
+          </a:bodyPr>
+          <a:lstStyle/>
+          <a:p>
+            <a:r>
+              <a:rPr lang="en-US" dirty="0" err="1" smtClean="0"/>
+              <a:t>func</a:t>
+            </a:r>
+            <a:r>
+              <a:rPr lang="en-US" dirty="0" smtClean="0"/>
+              <a:t>-comp/</a:t>
+            </a:r>
+            <a:r>
+              <a:rPr lang="en-US" dirty="0" err="1" smtClean="0"/>
+              <a:t>src</a:t>
+            </a:r>
+            <a:r>
+              <a:rPr lang="en-US" dirty="0" smtClean="0"/>
+              <a:t>/main/</a:t>
+            </a:r>
+            <a:r>
+              <a:rPr lang="en-US" dirty="0" err="1" smtClean="0"/>
+              <a:t>scala</a:t>
+            </a:r>
+            <a:r>
+              <a:rPr lang="en-US" dirty="0" smtClean="0"/>
+              <a:t>/cs220/curry</a:t>
+            </a:r>
+            <a:endParaRPr lang="en-US" dirty="0"/>
+          </a:p>
+        </p:txBody>
+      </p:sp>
+      <p:sp>
+        <p:nvSpPr>
+          <p:cNvPr id="5" name="Down Arrow 4"/>
+          <p:cNvSpPr/>
+          <p:nvPr/>
+        </p:nvSpPr>
+        <p:spPr>
+          <a:xfrm>
+            <a:off x="5747502" y="1489124"/>
+            <a:ext cx="229900" cy="755511"/>
+          </a:xfrm>
+          <a:prstGeom prst="downArrow">
+            <a:avLst/>
+          </a:prstGeom>
+        </p:spPr>
+        <p:style>
+          <a:lnRef idx="1">
+            <a:schemeClr val="accent1"/>
+          </a:lnRef>
+          <a:fillRef idx="3">
+            <a:schemeClr val="accent1"/>
+          </a:fillRef>
+          <a:effectRef idx="2">
+            <a:schemeClr val="accent1"/>
+          </a:effectRef>
+          <a:fontRef idx="minor">
+            <a:schemeClr val="lt1"/>
+          </a:fontRef>
+        </p:style>
+        <p:txBody>
+          <a:bodyPr rtlCol="0" anchor="ctr"/>
+          <a:lstStyle/>
+          <a:p>
+            <a:pPr algn="ctr"/>
+            <a:endParaRPr lang="en-US"/>
+          </a:p>
+        </p:txBody>
+      </p:sp>
+    </p:spTree>
+    <p:extLst>
+      <p:ext uri="{BB962C8B-B14F-4D97-AF65-F5344CB8AC3E}">
+        <p14:creationId xmlns:p14="http://schemas.microsoft.com/office/powerpoint/2010/main" val="3610479795"/>
+      </p:ext>
+    </p:extLst>
+  </p:cSld>
+  <p:clrMapOvr>
+    <a:masterClrMapping/>
+  </p:clrMapOvr>
+</p:sld>
+</file>
+
+<file path=ppt/slides/slide28.xml><?xml version="1.0" encoding="utf-8"?>
+<p:sld xmlns:a="http://schemas.openxmlformats.org/drawingml/2006/main" xmlns:r="http://schemas.openxmlformats.org/officeDocument/2006/relationships" xmlns:p="http://schemas.openxmlformats.org/presentationml/2006/main">
+  <p:cSld>
+    <p:spTree>
+      <p:nvGrpSpPr>
+        <p:cNvPr id="1" name=""/>
+        <p:cNvGrpSpPr/>
+        <p:nvPr/>
+      </p:nvGrpSpPr>
+      <p:grpSpPr>
+        <a:xfrm>
+          <a:off x="0" y="0"/>
+          <a:ext cx="0" cy="0"/>
+          <a:chOff x="0" y="0"/>
+          <a:chExt cx="0" cy="0"/>
+        </a:xfrm>
+      </p:grpSpPr>
+      <p:sp>
+        <p:nvSpPr>
+          <p:cNvPr id="2" name="Title 1"/>
+          <p:cNvSpPr>
+            <a:spLocks noGrp="1"/>
+          </p:cNvSpPr>
+          <p:nvPr>
+            <p:ph type="title"/>
+          </p:nvPr>
+        </p:nvSpPr>
+        <p:spPr/>
+        <p:txBody>
+          <a:bodyPr/>
+          <a:lstStyle/>
+          <a:p>
+            <a:r>
+              <a:rPr lang="en-US" dirty="0" smtClean="0"/>
+              <a:t>Operating on Resources</a:t>
+            </a:r>
+            <a:endParaRPr lang="en-US" dirty="0"/>
+          </a:p>
+        </p:txBody>
+      </p:sp>
+      <p:sp>
+        <p:nvSpPr>
+          <p:cNvPr id="3" name="Content Placeholder 2"/>
+          <p:cNvSpPr>
+            <a:spLocks noGrp="1"/>
+          </p:cNvSpPr>
+          <p:nvPr>
+            <p:ph idx="1"/>
+          </p:nvPr>
+        </p:nvSpPr>
+        <p:spPr>
+          <a:xfrm>
+            <a:off x="197058" y="1060074"/>
+            <a:ext cx="3240496" cy="3754670"/>
+          </a:xfrm>
+          <a:ln>
+            <a:solidFill>
+              <a:schemeClr val="tx1"/>
+            </a:solidFill>
+            <a:prstDash val="sysDash"/>
+          </a:ln>
+        </p:spPr>
+        <p:txBody>
+          <a:bodyPr>
+            <a:normAutofit/>
+          </a:bodyPr>
+          <a:lstStyle/>
+          <a:p>
+            <a:pPr marL="0" indent="0">
+              <a:buNone/>
+            </a:pPr>
+            <a:r>
+              <a:rPr lang="en-US" sz="2000" dirty="0" smtClean="0"/>
+              <a:t>We saw the </a:t>
+            </a:r>
+            <a:r>
+              <a:rPr lang="en-US" sz="2000" dirty="0" err="1" smtClean="0"/>
+              <a:t>filesMatching</a:t>
+            </a:r>
+            <a:r>
+              <a:rPr lang="en-US" sz="2000" dirty="0" smtClean="0"/>
+              <a:t> function that defined a very specialized control pattern.</a:t>
+            </a:r>
+          </a:p>
+          <a:p>
+            <a:pPr marL="0" indent="0">
+              <a:buNone/>
+            </a:pPr>
+            <a:endParaRPr lang="en-US" sz="2000" dirty="0"/>
+          </a:p>
+          <a:p>
+            <a:pPr marL="0" indent="0">
+              <a:buNone/>
+            </a:pPr>
+            <a:r>
+              <a:rPr lang="en-US" sz="2000" dirty="0" smtClean="0"/>
+              <a:t>Consider a more widely used coding pattern:</a:t>
+            </a:r>
+          </a:p>
+          <a:p>
+            <a:pPr marL="0" indent="0">
+              <a:buNone/>
+            </a:pPr>
+            <a:endParaRPr lang="en-US" sz="2000" dirty="0" smtClean="0"/>
+          </a:p>
+          <a:p>
+            <a:pPr marL="457200" indent="-457200">
+              <a:buFont typeface="+mj-lt"/>
+              <a:buAutoNum type="arabicPeriod"/>
+            </a:pPr>
+            <a:r>
+              <a:rPr lang="en-US" sz="2000" dirty="0" smtClean="0"/>
+              <a:t>Open a resource</a:t>
+            </a:r>
+          </a:p>
+          <a:p>
+            <a:pPr marL="457200" indent="-457200">
+              <a:buFont typeface="+mj-lt"/>
+              <a:buAutoNum type="arabicPeriod"/>
+            </a:pPr>
+            <a:r>
+              <a:rPr lang="en-US" sz="2000" dirty="0" smtClean="0"/>
+              <a:t>Operate on a resource</a:t>
+            </a:r>
+          </a:p>
+          <a:p>
+            <a:pPr marL="457200" indent="-457200">
+              <a:buFont typeface="+mj-lt"/>
+              <a:buAutoNum type="arabicPeriod"/>
+            </a:pPr>
+            <a:r>
+              <a:rPr lang="en-US" sz="2000" dirty="0" smtClean="0"/>
+              <a:t>Close the resource</a:t>
+            </a:r>
+            <a:endParaRPr lang="en-US" sz="2000" dirty="0"/>
+          </a:p>
+        </p:txBody>
+      </p:sp>
+      <p:sp>
+        <p:nvSpPr>
+          <p:cNvPr id="6" name="TextBox 5"/>
+          <p:cNvSpPr txBox="1"/>
+          <p:nvPr/>
+        </p:nvSpPr>
+        <p:spPr>
+          <a:xfrm>
+            <a:off x="3536081" y="1060074"/>
+            <a:ext cx="5440968" cy="3108544"/>
+          </a:xfrm>
+          <a:prstGeom prst="rect">
+            <a:avLst/>
+          </a:prstGeom>
+          <a:noFill/>
+        </p:spPr>
+        <p:txBody>
+          <a:bodyPr wrap="square" rtlCol="0">
+            <a:spAutoFit/>
+          </a:bodyPr>
+          <a:lstStyle/>
+          <a:p>
+            <a:r>
+              <a:rPr lang="en-US" sz="1400" dirty="0" smtClean="0">
+                <a:latin typeface="Andale Mono"/>
+                <a:cs typeface="Andale Mono"/>
+              </a:rPr>
+              <a:t>type Operation = </a:t>
+            </a:r>
+            <a:r>
+              <a:rPr lang="en-US" sz="1400" dirty="0" err="1" smtClean="0">
+                <a:latin typeface="Andale Mono"/>
+                <a:cs typeface="Andale Mono"/>
+              </a:rPr>
+              <a:t>PrintWriter</a:t>
+            </a:r>
+            <a:r>
+              <a:rPr lang="en-US" sz="1400" dirty="0" smtClean="0">
+                <a:latin typeface="Andale Mono"/>
+                <a:cs typeface="Andale Mono"/>
+              </a:rPr>
+              <a:t> =&gt; Unit</a:t>
+            </a:r>
+          </a:p>
+          <a:p>
+            <a:r>
+              <a:rPr lang="en-US" sz="1400" dirty="0" err="1" smtClean="0">
+                <a:latin typeface="Andale Mono"/>
+                <a:cs typeface="Andale Mono"/>
+              </a:rPr>
+              <a:t>def</a:t>
+            </a:r>
+            <a:r>
+              <a:rPr lang="en-US" sz="1400" dirty="0" smtClean="0">
+                <a:latin typeface="Andale Mono"/>
+                <a:cs typeface="Andale Mono"/>
+              </a:rPr>
+              <a:t> </a:t>
+            </a:r>
+            <a:r>
+              <a:rPr lang="en-US" sz="1400" dirty="0" err="1" smtClean="0">
+                <a:latin typeface="Andale Mono"/>
+                <a:cs typeface="Andale Mono"/>
+              </a:rPr>
+              <a:t>withPrintWriter</a:t>
+            </a:r>
+            <a:r>
+              <a:rPr lang="en-US" sz="1400" dirty="0" smtClean="0">
+                <a:latin typeface="Andale Mono"/>
+                <a:cs typeface="Andale Mono"/>
+              </a:rPr>
+              <a:t>(file: File, op: Operation) {</a:t>
+            </a:r>
+          </a:p>
+          <a:p>
+            <a:r>
+              <a:rPr lang="en-US" sz="1400" dirty="0" smtClean="0">
+                <a:latin typeface="Andale Mono"/>
+                <a:cs typeface="Andale Mono"/>
+              </a:rPr>
+              <a:t>  </a:t>
+            </a:r>
+            <a:r>
+              <a:rPr lang="en-US" sz="1400" dirty="0" err="1" smtClean="0">
+                <a:latin typeface="Andale Mono"/>
+                <a:cs typeface="Andale Mono"/>
+              </a:rPr>
+              <a:t>val</a:t>
+            </a:r>
+            <a:r>
+              <a:rPr lang="en-US" sz="1400" dirty="0" smtClean="0">
+                <a:latin typeface="Andale Mono"/>
+                <a:cs typeface="Andale Mono"/>
+              </a:rPr>
+              <a:t> writer = new </a:t>
+            </a:r>
+            <a:r>
+              <a:rPr lang="en-US" sz="1400" dirty="0" err="1" smtClean="0">
+                <a:latin typeface="Andale Mono"/>
+                <a:cs typeface="Andale Mono"/>
+              </a:rPr>
+              <a:t>PrintWriter</a:t>
+            </a:r>
+            <a:r>
+              <a:rPr lang="en-US" sz="1400" dirty="0" smtClean="0">
+                <a:latin typeface="Andale Mono"/>
+                <a:cs typeface="Andale Mono"/>
+              </a:rPr>
+              <a:t>(file)</a:t>
+            </a:r>
+          </a:p>
+          <a:p>
+            <a:r>
+              <a:rPr lang="en-US" sz="1400" dirty="0">
+                <a:latin typeface="Andale Mono"/>
+                <a:cs typeface="Andale Mono"/>
+              </a:rPr>
+              <a:t> </a:t>
+            </a:r>
+            <a:r>
+              <a:rPr lang="en-US" sz="1400" dirty="0" smtClean="0">
+                <a:latin typeface="Andale Mono"/>
+                <a:cs typeface="Andale Mono"/>
+              </a:rPr>
+              <a:t> </a:t>
+            </a:r>
+            <a:r>
+              <a:rPr lang="en-US" sz="1400" b="1" dirty="0" smtClean="0">
+                <a:latin typeface="Andale Mono"/>
+                <a:cs typeface="Andale Mono"/>
+              </a:rPr>
+              <a:t>try</a:t>
+            </a:r>
+            <a:r>
+              <a:rPr lang="en-US" sz="1400" dirty="0" smtClean="0">
+                <a:latin typeface="Andale Mono"/>
+                <a:cs typeface="Andale Mono"/>
+              </a:rPr>
+              <a:t> {</a:t>
+            </a:r>
+          </a:p>
+          <a:p>
+            <a:r>
+              <a:rPr lang="en-US" sz="1400" dirty="0">
+                <a:latin typeface="Andale Mono"/>
+                <a:cs typeface="Andale Mono"/>
+              </a:rPr>
+              <a:t> </a:t>
+            </a:r>
+            <a:r>
+              <a:rPr lang="en-US" sz="1400" dirty="0" smtClean="0">
+                <a:latin typeface="Andale Mono"/>
+                <a:cs typeface="Andale Mono"/>
+              </a:rPr>
+              <a:t>   op(writer)</a:t>
+            </a:r>
+          </a:p>
+          <a:p>
+            <a:r>
+              <a:rPr lang="en-US" sz="1400" dirty="0">
+                <a:latin typeface="Andale Mono"/>
+                <a:cs typeface="Andale Mono"/>
+              </a:rPr>
+              <a:t> </a:t>
+            </a:r>
+            <a:r>
+              <a:rPr lang="en-US" sz="1400" dirty="0" smtClean="0">
+                <a:latin typeface="Andale Mono"/>
+                <a:cs typeface="Andale Mono"/>
+              </a:rPr>
+              <a:t> } </a:t>
+            </a:r>
+            <a:r>
+              <a:rPr lang="en-US" sz="1400" b="1" dirty="0" smtClean="0">
+                <a:latin typeface="Andale Mono"/>
+                <a:cs typeface="Andale Mono"/>
+              </a:rPr>
+              <a:t>finally</a:t>
+            </a:r>
+            <a:r>
+              <a:rPr lang="en-US" sz="1400" dirty="0" smtClean="0">
+                <a:latin typeface="Andale Mono"/>
+                <a:cs typeface="Andale Mono"/>
+              </a:rPr>
+              <a:t> {</a:t>
+            </a:r>
+          </a:p>
+          <a:p>
+            <a:r>
+              <a:rPr lang="en-US" sz="1400" dirty="0" smtClean="0">
+                <a:latin typeface="Andale Mono"/>
+                <a:cs typeface="Andale Mono"/>
+              </a:rPr>
+              <a:t>    </a:t>
+            </a:r>
+            <a:r>
+              <a:rPr lang="en-US" sz="1400" dirty="0" err="1" smtClean="0">
+                <a:latin typeface="Andale Mono"/>
+                <a:cs typeface="Andale Mono"/>
+              </a:rPr>
+              <a:t>writer.close</a:t>
+            </a:r>
+            <a:r>
+              <a:rPr lang="en-US" sz="1400" dirty="0" smtClean="0">
+                <a:latin typeface="Andale Mono"/>
+                <a:cs typeface="Andale Mono"/>
+              </a:rPr>
+              <a:t>()</a:t>
+            </a:r>
+            <a:endParaRPr lang="en-US" sz="1400" dirty="0">
+              <a:latin typeface="Andale Mono"/>
+              <a:cs typeface="Andale Mono"/>
+            </a:endParaRPr>
+          </a:p>
+          <a:p>
+            <a:r>
+              <a:rPr lang="en-US" sz="1400" dirty="0" smtClean="0">
+                <a:latin typeface="Andale Mono"/>
+                <a:cs typeface="Andale Mono"/>
+              </a:rPr>
+              <a:t>  }</a:t>
+            </a:r>
+            <a:endParaRPr lang="en-US" sz="1400" dirty="0">
+              <a:latin typeface="Andale Mono"/>
+              <a:cs typeface="Andale Mono"/>
+            </a:endParaRPr>
+          </a:p>
+          <a:p>
+            <a:r>
+              <a:rPr lang="en-US" sz="1400" dirty="0" smtClean="0">
+                <a:latin typeface="Andale Mono"/>
+                <a:cs typeface="Andale Mono"/>
+              </a:rPr>
+              <a:t>}</a:t>
+            </a:r>
+          </a:p>
+          <a:p>
+            <a:endParaRPr lang="en-US" sz="1400" dirty="0">
+              <a:latin typeface="Andale Mono"/>
+              <a:cs typeface="Andale Mono"/>
+            </a:endParaRPr>
+          </a:p>
+          <a:p>
+            <a:r>
+              <a:rPr lang="en-US" sz="1400" dirty="0" err="1" smtClean="0">
+                <a:latin typeface="Andale Mono"/>
+                <a:cs typeface="Andale Mono"/>
+              </a:rPr>
+              <a:t>withPrintWriter</a:t>
+            </a:r>
+            <a:r>
+              <a:rPr lang="en-US" sz="1400" dirty="0" smtClean="0">
+                <a:latin typeface="Andale Mono"/>
+                <a:cs typeface="Andale Mono"/>
+              </a:rPr>
+              <a:t>(</a:t>
+            </a:r>
+          </a:p>
+          <a:p>
+            <a:r>
+              <a:rPr lang="en-US" sz="1400" dirty="0">
+                <a:latin typeface="Andale Mono"/>
+                <a:cs typeface="Andale Mono"/>
+              </a:rPr>
+              <a:t> </a:t>
+            </a:r>
+            <a:r>
+              <a:rPr lang="en-US" sz="1400" dirty="0" smtClean="0">
+                <a:latin typeface="Andale Mono"/>
+                <a:cs typeface="Andale Mono"/>
+              </a:rPr>
+              <a:t> new File(“</a:t>
+            </a:r>
+            <a:r>
+              <a:rPr lang="en-US" sz="1400" dirty="0" err="1" smtClean="0">
+                <a:latin typeface="Andale Mono"/>
+                <a:cs typeface="Andale Mono"/>
+              </a:rPr>
+              <a:t>date.txt</a:t>
+            </a:r>
+            <a:r>
+              <a:rPr lang="en-US" sz="1400" dirty="0" smtClean="0">
+                <a:latin typeface="Andale Mono"/>
+                <a:cs typeface="Andale Mono"/>
+              </a:rPr>
+              <a:t>”),</a:t>
+            </a:r>
+          </a:p>
+          <a:p>
+            <a:r>
+              <a:rPr lang="en-US" sz="1400" dirty="0">
+                <a:latin typeface="Andale Mono"/>
+                <a:cs typeface="Andale Mono"/>
+              </a:rPr>
+              <a:t> </a:t>
+            </a:r>
+            <a:r>
+              <a:rPr lang="en-US" sz="1400" dirty="0" smtClean="0">
+                <a:latin typeface="Andale Mono"/>
+                <a:cs typeface="Andale Mono"/>
+              </a:rPr>
+              <a:t> writer =&gt; </a:t>
+            </a:r>
+            <a:r>
+              <a:rPr lang="en-US" sz="1400" dirty="0" err="1" smtClean="0">
+                <a:latin typeface="Andale Mono"/>
+                <a:cs typeface="Andale Mono"/>
+              </a:rPr>
+              <a:t>writer.println</a:t>
+            </a:r>
+            <a:r>
+              <a:rPr lang="en-US" sz="1400" dirty="0" smtClean="0">
+                <a:latin typeface="Andale Mono"/>
+                <a:cs typeface="Andale Mono"/>
+              </a:rPr>
+              <a:t>(new Date)</a:t>
+            </a:r>
+          </a:p>
+          <a:p>
+            <a:r>
+              <a:rPr lang="en-US" sz="1400" dirty="0">
+                <a:latin typeface="Andale Mono"/>
+                <a:cs typeface="Andale Mono"/>
+              </a:rPr>
+              <a:t>)</a:t>
+            </a:r>
+            <a:endParaRPr lang="en-US" sz="1400" dirty="0" smtClean="0">
+              <a:latin typeface="Andale Mono"/>
+              <a:cs typeface="Andale Mono"/>
+            </a:endParaRPr>
+          </a:p>
+        </p:txBody>
+      </p:sp>
+      <p:sp>
+        <p:nvSpPr>
+          <p:cNvPr id="4" name="TextBox 3"/>
+          <p:cNvSpPr txBox="1"/>
+          <p:nvPr/>
+        </p:nvSpPr>
+        <p:spPr>
+          <a:xfrm>
+            <a:off x="3536082" y="4467311"/>
+            <a:ext cx="5440968" cy="338554"/>
+          </a:xfrm>
+          <a:prstGeom prst="rect">
+            <a:avLst/>
+          </a:prstGeom>
+          <a:noFill/>
+        </p:spPr>
+        <p:txBody>
+          <a:bodyPr wrap="square" rtlCol="0">
+            <a:spAutoFit/>
+          </a:bodyPr>
+          <a:lstStyle/>
+          <a:p>
+            <a:pPr algn="r"/>
+            <a:r>
+              <a:rPr lang="en-US" sz="1600" dirty="0" err="1" smtClean="0"/>
+              <a:t>func</a:t>
+            </a:r>
+            <a:r>
+              <a:rPr lang="en-US" sz="1600" dirty="0" smtClean="0"/>
+              <a:t>-comp/</a:t>
+            </a:r>
+            <a:r>
+              <a:rPr lang="en-US" sz="1600" dirty="0" err="1" smtClean="0"/>
+              <a:t>src</a:t>
+            </a:r>
+            <a:r>
+              <a:rPr lang="en-US" sz="1600" dirty="0" smtClean="0"/>
+              <a:t>/main/</a:t>
+            </a:r>
+            <a:r>
+              <a:rPr lang="en-US" sz="1600" dirty="0" err="1" smtClean="0"/>
+              <a:t>scala</a:t>
+            </a:r>
+            <a:r>
+              <a:rPr lang="en-US" sz="1600" dirty="0" smtClean="0"/>
+              <a:t>/cs220/control/Control01.scala</a:t>
+            </a:r>
+            <a:endParaRPr lang="en-US" sz="1600" dirty="0"/>
+          </a:p>
+        </p:txBody>
+      </p:sp>
+    </p:spTree>
+    <p:extLst>
+      <p:ext uri="{BB962C8B-B14F-4D97-AF65-F5344CB8AC3E}">
+        <p14:creationId xmlns:p14="http://schemas.microsoft.com/office/powerpoint/2010/main" val="1699171625"/>
+      </p:ext>
+    </p:extLst>
+  </p:cSld>
+  <p:clrMapOvr>
+    <a:masterClrMapping/>
+  </p:clrMapOvr>
+</p:sld>
+</file>
+
+<file path=ppt/slides/slide29.xml><?xml version="1.0" encoding="utf-8"?>
+<p:sld xmlns:a="http://schemas.openxmlformats.org/drawingml/2006/main" xmlns:r="http://schemas.openxmlformats.org/officeDocument/2006/relationships" xmlns:p="http://schemas.openxmlformats.org/presentationml/2006/main">
+  <p:cSld>
+    <p:spTree>
+      <p:nvGrpSpPr>
+        <p:cNvPr id="1" name=""/>
+        <p:cNvGrpSpPr/>
+        <p:nvPr/>
+      </p:nvGrpSpPr>
+      <p:grpSpPr>
+        <a:xfrm>
+          <a:off x="0" y="0"/>
+          <a:ext cx="0" cy="0"/>
+          <a:chOff x="0" y="0"/>
+          <a:chExt cx="0" cy="0"/>
+        </a:xfrm>
+      </p:grpSpPr>
+      <p:sp>
+        <p:nvSpPr>
+          <p:cNvPr id="2" name="Title 1"/>
+          <p:cNvSpPr>
+            <a:spLocks noGrp="1"/>
+          </p:cNvSpPr>
+          <p:nvPr>
+            <p:ph type="title"/>
+          </p:nvPr>
+        </p:nvSpPr>
+        <p:spPr/>
+        <p:txBody>
+          <a:bodyPr/>
+          <a:lstStyle/>
+          <a:p>
+            <a:r>
+              <a:rPr lang="en-US" dirty="0" smtClean="0"/>
+              <a:t>Using {} instead of ()</a:t>
+            </a:r>
+            <a:endParaRPr lang="en-US" dirty="0"/>
+          </a:p>
+        </p:txBody>
+      </p:sp>
+      <p:sp>
+        <p:nvSpPr>
+          <p:cNvPr id="3" name="Content Placeholder 2"/>
+          <p:cNvSpPr>
+            <a:spLocks noGrp="1"/>
+          </p:cNvSpPr>
+          <p:nvPr>
+            <p:ph idx="1"/>
+          </p:nvPr>
+        </p:nvSpPr>
+        <p:spPr>
+          <a:xfrm>
+            <a:off x="197058" y="1060074"/>
+            <a:ext cx="3240496" cy="3754670"/>
+          </a:xfrm>
+          <a:ln>
+            <a:solidFill>
+              <a:schemeClr val="tx1"/>
+            </a:solidFill>
+            <a:prstDash val="sysDash"/>
+          </a:ln>
+        </p:spPr>
+        <p:txBody>
+          <a:bodyPr>
+            <a:normAutofit/>
+          </a:bodyPr>
+          <a:lstStyle/>
+          <a:p>
+            <a:pPr marL="0" indent="0">
+              <a:buNone/>
+            </a:pPr>
+            <a:r>
+              <a:rPr lang="en-US" sz="2000" dirty="0" smtClean="0"/>
+              <a:t>Although this looks ok, we would really prefer to use {} instead of () to make it look more like a “control” construct.</a:t>
+            </a:r>
+          </a:p>
+          <a:p>
+            <a:pPr marL="0" indent="0">
+              <a:buNone/>
+            </a:pPr>
+            <a:endParaRPr lang="en-US" sz="2000" dirty="0"/>
+          </a:p>
+          <a:p>
+            <a:pPr marL="0" indent="0">
+              <a:buNone/>
+            </a:pPr>
+            <a:r>
+              <a:rPr lang="en-US" sz="2000" dirty="0" smtClean="0"/>
+              <a:t>Turns out, </a:t>
+            </a:r>
+            <a:r>
+              <a:rPr lang="en-US" sz="2000" dirty="0" err="1" smtClean="0"/>
+              <a:t>Scala</a:t>
+            </a:r>
+            <a:r>
+              <a:rPr lang="en-US" sz="2000" dirty="0" smtClean="0"/>
+              <a:t> allows single parameter functions to use {} instead of ()!</a:t>
+            </a:r>
+            <a:endParaRPr lang="en-US" sz="2000" dirty="0"/>
+          </a:p>
+        </p:txBody>
+      </p:sp>
+      <p:sp>
+        <p:nvSpPr>
+          <p:cNvPr id="6" name="TextBox 5"/>
+          <p:cNvSpPr txBox="1"/>
+          <p:nvPr/>
+        </p:nvSpPr>
+        <p:spPr>
+          <a:xfrm>
+            <a:off x="3536081" y="1060074"/>
+            <a:ext cx="5440968" cy="2462213"/>
+          </a:xfrm>
+          <a:prstGeom prst="rect">
+            <a:avLst/>
+          </a:prstGeom>
+          <a:noFill/>
+        </p:spPr>
+        <p:txBody>
+          <a:bodyPr wrap="square" rtlCol="0">
+            <a:spAutoFit/>
+          </a:bodyPr>
+          <a:lstStyle/>
+          <a:p>
+            <a:r>
+              <a:rPr lang="en-US" sz="1400" dirty="0" err="1" smtClean="0">
+                <a:latin typeface="Andale Mono"/>
+                <a:cs typeface="Andale Mono"/>
+              </a:rPr>
+              <a:t>withPrintWriter</a:t>
+            </a:r>
+            <a:r>
+              <a:rPr lang="en-US" sz="1400" dirty="0">
+                <a:latin typeface="Andale Mono"/>
+                <a:cs typeface="Andale Mono"/>
+              </a:rPr>
+              <a:t> </a:t>
+            </a:r>
+            <a:r>
+              <a:rPr lang="en-US" sz="1400" dirty="0" smtClean="0">
+                <a:latin typeface="Andale Mono"/>
+                <a:cs typeface="Andale Mono"/>
+              </a:rPr>
+              <a:t>{</a:t>
+            </a:r>
+          </a:p>
+          <a:p>
+            <a:r>
+              <a:rPr lang="en-US" sz="1400" dirty="0">
+                <a:latin typeface="Andale Mono"/>
+                <a:cs typeface="Andale Mono"/>
+              </a:rPr>
+              <a:t> </a:t>
+            </a:r>
+            <a:r>
+              <a:rPr lang="en-US" sz="1400" dirty="0" smtClean="0">
+                <a:latin typeface="Andale Mono"/>
+                <a:cs typeface="Andale Mono"/>
+              </a:rPr>
+              <a:t> new File(“</a:t>
+            </a:r>
+            <a:r>
+              <a:rPr lang="en-US" sz="1400" dirty="0" err="1" smtClean="0">
+                <a:latin typeface="Andale Mono"/>
+                <a:cs typeface="Andale Mono"/>
+              </a:rPr>
+              <a:t>date.txt</a:t>
+            </a:r>
+            <a:r>
+              <a:rPr lang="en-US" sz="1400" dirty="0" smtClean="0">
+                <a:latin typeface="Andale Mono"/>
+                <a:cs typeface="Andale Mono"/>
+              </a:rPr>
+              <a:t>”),</a:t>
+            </a:r>
+          </a:p>
+          <a:p>
+            <a:r>
+              <a:rPr lang="en-US" sz="1400" dirty="0">
+                <a:latin typeface="Andale Mono"/>
+                <a:cs typeface="Andale Mono"/>
+              </a:rPr>
+              <a:t> </a:t>
+            </a:r>
+            <a:r>
+              <a:rPr lang="en-US" sz="1400" dirty="0" smtClean="0">
+                <a:latin typeface="Andale Mono"/>
+                <a:cs typeface="Andale Mono"/>
+              </a:rPr>
+              <a:t> writer =&gt; </a:t>
+            </a:r>
+            <a:r>
+              <a:rPr lang="en-US" sz="1400" dirty="0" err="1" smtClean="0">
+                <a:latin typeface="Andale Mono"/>
+                <a:cs typeface="Andale Mono"/>
+              </a:rPr>
+              <a:t>writer.println</a:t>
+            </a:r>
+            <a:r>
+              <a:rPr lang="en-US" sz="1400" dirty="0" smtClean="0">
+                <a:latin typeface="Andale Mono"/>
+                <a:cs typeface="Andale Mono"/>
+              </a:rPr>
+              <a:t>(new Date)</a:t>
+            </a:r>
+          </a:p>
+          <a:p>
+            <a:r>
+              <a:rPr lang="en-US" sz="1400" dirty="0" smtClean="0">
+                <a:latin typeface="Andale Mono"/>
+                <a:cs typeface="Andale Mono"/>
+              </a:rPr>
+              <a:t>}</a:t>
+            </a:r>
+          </a:p>
+          <a:p>
+            <a:endParaRPr lang="en-US" sz="1400" dirty="0">
+              <a:latin typeface="Andale Mono"/>
+              <a:cs typeface="Andale Mono"/>
+            </a:endParaRPr>
+          </a:p>
+          <a:p>
+            <a:endParaRPr lang="en-US" sz="1400" dirty="0" smtClean="0">
+              <a:latin typeface="Andale Mono"/>
+              <a:cs typeface="Andale Mono"/>
+            </a:endParaRPr>
+          </a:p>
+          <a:p>
+            <a:r>
+              <a:rPr lang="en-US" sz="1400" dirty="0" err="1" smtClean="0">
+                <a:latin typeface="Andale Mono"/>
+                <a:cs typeface="Andale Mono"/>
+              </a:rPr>
+              <a:t>scala</a:t>
+            </a:r>
+            <a:r>
+              <a:rPr lang="en-US" sz="1400" dirty="0" smtClean="0">
+                <a:latin typeface="Andale Mono"/>
+                <a:cs typeface="Andale Mono"/>
+              </a:rPr>
+              <a:t>&gt; </a:t>
+            </a:r>
+            <a:r>
+              <a:rPr lang="en-US" sz="1400" dirty="0" err="1" smtClean="0">
+                <a:latin typeface="Andale Mono"/>
+                <a:cs typeface="Andale Mono"/>
+              </a:rPr>
+              <a:t>println</a:t>
+            </a:r>
+            <a:r>
+              <a:rPr lang="en-US" sz="1400" dirty="0" smtClean="0">
+                <a:latin typeface="Andale Mono"/>
+                <a:cs typeface="Andale Mono"/>
+              </a:rPr>
+              <a:t>(“Hello, World”)</a:t>
+            </a:r>
+          </a:p>
+          <a:p>
+            <a:r>
+              <a:rPr lang="en-US" sz="1400" dirty="0" smtClean="0">
+                <a:latin typeface="Andale Mono"/>
+                <a:cs typeface="Andale Mono"/>
+              </a:rPr>
+              <a:t>Hello, World</a:t>
+            </a:r>
+          </a:p>
+          <a:p>
+            <a:endParaRPr lang="en-US" sz="1400" dirty="0">
+              <a:latin typeface="Andale Mono"/>
+              <a:cs typeface="Andale Mono"/>
+            </a:endParaRPr>
+          </a:p>
+          <a:p>
+            <a:r>
+              <a:rPr lang="en-US" sz="1400" dirty="0" err="1" smtClean="0">
+                <a:latin typeface="Andale Mono"/>
+                <a:cs typeface="Andale Mono"/>
+              </a:rPr>
+              <a:t>scala</a:t>
+            </a:r>
+            <a:r>
+              <a:rPr lang="en-US" sz="1400" dirty="0" smtClean="0">
+                <a:latin typeface="Andale Mono"/>
+                <a:cs typeface="Andale Mono"/>
+              </a:rPr>
+              <a:t>&gt; </a:t>
+            </a:r>
+            <a:r>
+              <a:rPr lang="en-US" sz="1400" dirty="0" err="1" smtClean="0">
+                <a:latin typeface="Andale Mono"/>
+                <a:cs typeface="Andale Mono"/>
+              </a:rPr>
+              <a:t>println</a:t>
+            </a:r>
+            <a:r>
+              <a:rPr lang="en-US" sz="1400" dirty="0" smtClean="0">
+                <a:latin typeface="Andale Mono"/>
+                <a:cs typeface="Andale Mono"/>
+              </a:rPr>
+              <a:t> { “Hello, World” }</a:t>
+            </a:r>
+          </a:p>
+          <a:p>
+            <a:r>
+              <a:rPr lang="en-US" sz="1400" dirty="0" smtClean="0">
+                <a:latin typeface="Andale Mono"/>
+                <a:cs typeface="Andale Mono"/>
+              </a:rPr>
+              <a:t>Hello, World</a:t>
+            </a:r>
+          </a:p>
+        </p:txBody>
+      </p:sp>
+    </p:spTree>
+    <p:extLst>
+      <p:ext uri="{BB962C8B-B14F-4D97-AF65-F5344CB8AC3E}">
+        <p14:creationId xmlns:p14="http://schemas.microsoft.com/office/powerpoint/2010/main" val="2922261684"/>
       </p:ext>
     </p:extLst>
   </p:cSld>
@@ -8949,6 +11211,3048 @@
     <p:extLst>
       <p:ext uri="{BB962C8B-B14F-4D97-AF65-F5344CB8AC3E}">
         <p14:creationId xmlns:p14="http://schemas.microsoft.com/office/powerpoint/2010/main" val="1704635577"/>
+      </p:ext>
+    </p:extLst>
+  </p:cSld>
+  <p:clrMapOvr>
+    <a:masterClrMapping/>
+  </p:clrMapOvr>
+</p:sld>
+</file>
+
+<file path=ppt/slides/slide30.xml><?xml version="1.0" encoding="utf-8"?>
+<p:sld xmlns:a="http://schemas.openxmlformats.org/drawingml/2006/main" xmlns:r="http://schemas.openxmlformats.org/officeDocument/2006/relationships" xmlns:p="http://schemas.openxmlformats.org/presentationml/2006/main">
+  <p:cSld>
+    <p:spTree>
+      <p:nvGrpSpPr>
+        <p:cNvPr id="1" name=""/>
+        <p:cNvGrpSpPr/>
+        <p:nvPr/>
+      </p:nvGrpSpPr>
+      <p:grpSpPr>
+        <a:xfrm>
+          <a:off x="0" y="0"/>
+          <a:ext cx="0" cy="0"/>
+          <a:chOff x="0" y="0"/>
+          <a:chExt cx="0" cy="0"/>
+        </a:xfrm>
+      </p:grpSpPr>
+      <p:sp>
+        <p:nvSpPr>
+          <p:cNvPr id="2" name="Title 1"/>
+          <p:cNvSpPr>
+            <a:spLocks noGrp="1"/>
+          </p:cNvSpPr>
+          <p:nvPr>
+            <p:ph type="title"/>
+          </p:nvPr>
+        </p:nvSpPr>
+        <p:spPr/>
+        <p:txBody>
+          <a:bodyPr/>
+          <a:lstStyle/>
+          <a:p>
+            <a:r>
+              <a:rPr lang="en-US" dirty="0" smtClean="0"/>
+              <a:t>Using {} instead of ()</a:t>
+            </a:r>
+            <a:endParaRPr lang="en-US" dirty="0"/>
+          </a:p>
+        </p:txBody>
+      </p:sp>
+      <p:sp>
+        <p:nvSpPr>
+          <p:cNvPr id="3" name="Content Placeholder 2"/>
+          <p:cNvSpPr>
+            <a:spLocks noGrp="1"/>
+          </p:cNvSpPr>
+          <p:nvPr>
+            <p:ph idx="1"/>
+          </p:nvPr>
+        </p:nvSpPr>
+        <p:spPr>
+          <a:xfrm>
+            <a:off x="197058" y="1060074"/>
+            <a:ext cx="3240496" cy="3754670"/>
+          </a:xfrm>
+          <a:ln>
+            <a:solidFill>
+              <a:schemeClr val="tx1"/>
+            </a:solidFill>
+            <a:prstDash val="sysDash"/>
+          </a:ln>
+        </p:spPr>
+        <p:txBody>
+          <a:bodyPr>
+            <a:normAutofit/>
+          </a:bodyPr>
+          <a:lstStyle/>
+          <a:p>
+            <a:pPr marL="0" indent="0">
+              <a:buNone/>
+            </a:pPr>
+            <a:r>
+              <a:rPr lang="en-US" sz="2000" dirty="0" smtClean="0"/>
+              <a:t>Although this looks ok, we would really prefer to use {} instead of () to make it look more like a “control” construct.</a:t>
+            </a:r>
+          </a:p>
+          <a:p>
+            <a:pPr marL="0" indent="0">
+              <a:buNone/>
+            </a:pPr>
+            <a:endParaRPr lang="en-US" sz="2000" dirty="0"/>
+          </a:p>
+          <a:p>
+            <a:pPr marL="0" indent="0">
+              <a:buNone/>
+            </a:pPr>
+            <a:r>
+              <a:rPr lang="en-US" sz="2000" dirty="0" smtClean="0"/>
+              <a:t>Turns out, </a:t>
+            </a:r>
+            <a:r>
+              <a:rPr lang="en-US" sz="2000" dirty="0" err="1" smtClean="0"/>
+              <a:t>Scala</a:t>
+            </a:r>
+            <a:r>
+              <a:rPr lang="en-US" sz="2000" dirty="0" smtClean="0"/>
+              <a:t> allows single parameter functions to use {} instead of ()!</a:t>
+            </a:r>
+          </a:p>
+          <a:p>
+            <a:pPr marL="0" indent="0">
+              <a:buNone/>
+            </a:pPr>
+            <a:endParaRPr lang="en-US" sz="2000" dirty="0"/>
+          </a:p>
+          <a:p>
+            <a:pPr marL="0" indent="0">
+              <a:buNone/>
+            </a:pPr>
+            <a:r>
+              <a:rPr lang="en-US" sz="2000" dirty="0" smtClean="0">
+                <a:solidFill>
+                  <a:srgbClr val="FF0000"/>
+                </a:solidFill>
+              </a:rPr>
+              <a:t>What about this?</a:t>
+            </a:r>
+            <a:endParaRPr lang="en-US" sz="2000" dirty="0">
+              <a:solidFill>
+                <a:srgbClr val="FF0000"/>
+              </a:solidFill>
+            </a:endParaRPr>
+          </a:p>
+        </p:txBody>
+      </p:sp>
+      <p:sp>
+        <p:nvSpPr>
+          <p:cNvPr id="6" name="TextBox 5"/>
+          <p:cNvSpPr txBox="1"/>
+          <p:nvPr/>
+        </p:nvSpPr>
+        <p:spPr>
+          <a:xfrm>
+            <a:off x="3536081" y="1060074"/>
+            <a:ext cx="5440968" cy="3108544"/>
+          </a:xfrm>
+          <a:prstGeom prst="rect">
+            <a:avLst/>
+          </a:prstGeom>
+          <a:noFill/>
+        </p:spPr>
+        <p:txBody>
+          <a:bodyPr wrap="square" rtlCol="0">
+            <a:spAutoFit/>
+          </a:bodyPr>
+          <a:lstStyle/>
+          <a:p>
+            <a:r>
+              <a:rPr lang="en-US" sz="1400" dirty="0" err="1" smtClean="0">
+                <a:latin typeface="Andale Mono"/>
+                <a:cs typeface="Andale Mono"/>
+              </a:rPr>
+              <a:t>withPrintWriter</a:t>
+            </a:r>
+            <a:r>
+              <a:rPr lang="en-US" sz="1400" dirty="0">
+                <a:latin typeface="Andale Mono"/>
+                <a:cs typeface="Andale Mono"/>
+              </a:rPr>
+              <a:t> </a:t>
+            </a:r>
+            <a:r>
+              <a:rPr lang="en-US" sz="1400" dirty="0" smtClean="0">
+                <a:latin typeface="Andale Mono"/>
+                <a:cs typeface="Andale Mono"/>
+              </a:rPr>
+              <a:t>{</a:t>
+            </a:r>
+          </a:p>
+          <a:p>
+            <a:r>
+              <a:rPr lang="en-US" sz="1400" dirty="0">
+                <a:latin typeface="Andale Mono"/>
+                <a:cs typeface="Andale Mono"/>
+              </a:rPr>
+              <a:t> </a:t>
+            </a:r>
+            <a:r>
+              <a:rPr lang="en-US" sz="1400" dirty="0" smtClean="0">
+                <a:latin typeface="Andale Mono"/>
+                <a:cs typeface="Andale Mono"/>
+              </a:rPr>
+              <a:t> new File(“</a:t>
+            </a:r>
+            <a:r>
+              <a:rPr lang="en-US" sz="1400" dirty="0" err="1" smtClean="0">
+                <a:latin typeface="Andale Mono"/>
+                <a:cs typeface="Andale Mono"/>
+              </a:rPr>
+              <a:t>date.txt</a:t>
+            </a:r>
+            <a:r>
+              <a:rPr lang="en-US" sz="1400" dirty="0" smtClean="0">
+                <a:latin typeface="Andale Mono"/>
+                <a:cs typeface="Andale Mono"/>
+              </a:rPr>
+              <a:t>”),</a:t>
+            </a:r>
+          </a:p>
+          <a:p>
+            <a:r>
+              <a:rPr lang="en-US" sz="1400" dirty="0">
+                <a:latin typeface="Andale Mono"/>
+                <a:cs typeface="Andale Mono"/>
+              </a:rPr>
+              <a:t> </a:t>
+            </a:r>
+            <a:r>
+              <a:rPr lang="en-US" sz="1400" dirty="0" smtClean="0">
+                <a:latin typeface="Andale Mono"/>
+                <a:cs typeface="Andale Mono"/>
+              </a:rPr>
+              <a:t> writer =&gt; </a:t>
+            </a:r>
+            <a:r>
+              <a:rPr lang="en-US" sz="1400" dirty="0" err="1" smtClean="0">
+                <a:latin typeface="Andale Mono"/>
+                <a:cs typeface="Andale Mono"/>
+              </a:rPr>
+              <a:t>writer.println</a:t>
+            </a:r>
+            <a:r>
+              <a:rPr lang="en-US" sz="1400" dirty="0" smtClean="0">
+                <a:latin typeface="Andale Mono"/>
+                <a:cs typeface="Andale Mono"/>
+              </a:rPr>
+              <a:t>(new Date)</a:t>
+            </a:r>
+          </a:p>
+          <a:p>
+            <a:r>
+              <a:rPr lang="en-US" sz="1400" dirty="0" smtClean="0">
+                <a:latin typeface="Andale Mono"/>
+                <a:cs typeface="Andale Mono"/>
+              </a:rPr>
+              <a:t>}</a:t>
+            </a:r>
+          </a:p>
+          <a:p>
+            <a:endParaRPr lang="en-US" sz="1400" dirty="0">
+              <a:latin typeface="Andale Mono"/>
+              <a:cs typeface="Andale Mono"/>
+            </a:endParaRPr>
+          </a:p>
+          <a:p>
+            <a:endParaRPr lang="en-US" sz="1400" dirty="0" smtClean="0">
+              <a:latin typeface="Andale Mono"/>
+              <a:cs typeface="Andale Mono"/>
+            </a:endParaRPr>
+          </a:p>
+          <a:p>
+            <a:r>
+              <a:rPr lang="en-US" sz="1400" dirty="0" err="1" smtClean="0">
+                <a:latin typeface="Andale Mono"/>
+                <a:cs typeface="Andale Mono"/>
+              </a:rPr>
+              <a:t>scala</a:t>
+            </a:r>
+            <a:r>
+              <a:rPr lang="en-US" sz="1400" dirty="0" smtClean="0">
+                <a:latin typeface="Andale Mono"/>
+                <a:cs typeface="Andale Mono"/>
+              </a:rPr>
+              <a:t>&gt; </a:t>
+            </a:r>
+            <a:r>
+              <a:rPr lang="en-US" sz="1400" dirty="0" err="1" smtClean="0">
+                <a:latin typeface="Andale Mono"/>
+                <a:cs typeface="Andale Mono"/>
+              </a:rPr>
+              <a:t>println</a:t>
+            </a:r>
+            <a:r>
+              <a:rPr lang="en-US" sz="1400" dirty="0" smtClean="0">
+                <a:latin typeface="Andale Mono"/>
+                <a:cs typeface="Andale Mono"/>
+              </a:rPr>
+              <a:t>(“Hello, World”)</a:t>
+            </a:r>
+          </a:p>
+          <a:p>
+            <a:r>
+              <a:rPr lang="en-US" sz="1400" dirty="0" smtClean="0">
+                <a:latin typeface="Andale Mono"/>
+                <a:cs typeface="Andale Mono"/>
+              </a:rPr>
+              <a:t>Hello, World</a:t>
+            </a:r>
+          </a:p>
+          <a:p>
+            <a:endParaRPr lang="en-US" sz="1400" dirty="0">
+              <a:latin typeface="Andale Mono"/>
+              <a:cs typeface="Andale Mono"/>
+            </a:endParaRPr>
+          </a:p>
+          <a:p>
+            <a:r>
+              <a:rPr lang="en-US" sz="1400" dirty="0" err="1" smtClean="0">
+                <a:latin typeface="Andale Mono"/>
+                <a:cs typeface="Andale Mono"/>
+              </a:rPr>
+              <a:t>scala</a:t>
+            </a:r>
+            <a:r>
+              <a:rPr lang="en-US" sz="1400" dirty="0" smtClean="0">
+                <a:latin typeface="Andale Mono"/>
+                <a:cs typeface="Andale Mono"/>
+              </a:rPr>
+              <a:t>&gt; </a:t>
+            </a:r>
+            <a:r>
+              <a:rPr lang="en-US" sz="1400" dirty="0" err="1" smtClean="0">
+                <a:latin typeface="Andale Mono"/>
+                <a:cs typeface="Andale Mono"/>
+              </a:rPr>
+              <a:t>println</a:t>
+            </a:r>
+            <a:r>
+              <a:rPr lang="en-US" sz="1400" dirty="0" smtClean="0">
+                <a:latin typeface="Andale Mono"/>
+                <a:cs typeface="Andale Mono"/>
+              </a:rPr>
+              <a:t> { “Hello, World” }</a:t>
+            </a:r>
+          </a:p>
+          <a:p>
+            <a:r>
+              <a:rPr lang="en-US" sz="1400" dirty="0" smtClean="0">
+                <a:latin typeface="Andale Mono"/>
+                <a:cs typeface="Andale Mono"/>
+              </a:rPr>
+              <a:t>Hello, World</a:t>
+            </a:r>
+          </a:p>
+          <a:p>
+            <a:endParaRPr lang="en-US" sz="1400" dirty="0">
+              <a:latin typeface="Andale Mono"/>
+              <a:cs typeface="Andale Mono"/>
+            </a:endParaRPr>
+          </a:p>
+          <a:p>
+            <a:r>
+              <a:rPr lang="en-US" sz="1400" dirty="0" err="1" smtClean="0">
+                <a:solidFill>
+                  <a:srgbClr val="FF0000"/>
+                </a:solidFill>
+                <a:latin typeface="Andale Mono"/>
+                <a:cs typeface="Andale Mono"/>
+              </a:rPr>
+              <a:t>scala</a:t>
+            </a:r>
+            <a:r>
+              <a:rPr lang="en-US" sz="1400" dirty="0" smtClean="0">
+                <a:solidFill>
+                  <a:srgbClr val="FF0000"/>
+                </a:solidFill>
+                <a:latin typeface="Andale Mono"/>
+                <a:cs typeface="Andale Mono"/>
+              </a:rPr>
+              <a:t>&gt; “Hello, </a:t>
+            </a:r>
+            <a:r>
+              <a:rPr lang="en-US" sz="1400" dirty="0" err="1" smtClean="0">
+                <a:solidFill>
+                  <a:srgbClr val="FF0000"/>
+                </a:solidFill>
+                <a:latin typeface="Andale Mono"/>
+                <a:cs typeface="Andale Mono"/>
+              </a:rPr>
+              <a:t>World”.substring</a:t>
+            </a:r>
+            <a:r>
+              <a:rPr lang="en-US" sz="1400" dirty="0" smtClean="0">
+                <a:solidFill>
+                  <a:srgbClr val="FF0000"/>
+                </a:solidFill>
+                <a:latin typeface="Andale Mono"/>
+                <a:cs typeface="Andale Mono"/>
+              </a:rPr>
+              <a:t> { 7, 9 }</a:t>
+            </a:r>
+          </a:p>
+          <a:p>
+            <a:endParaRPr lang="en-US" sz="1400" dirty="0">
+              <a:latin typeface="Andale Mono"/>
+              <a:cs typeface="Andale Mono"/>
+            </a:endParaRPr>
+          </a:p>
+        </p:txBody>
+      </p:sp>
+    </p:spTree>
+    <p:extLst>
+      <p:ext uri="{BB962C8B-B14F-4D97-AF65-F5344CB8AC3E}">
+        <p14:creationId xmlns:p14="http://schemas.microsoft.com/office/powerpoint/2010/main" val="3615411195"/>
+      </p:ext>
+    </p:extLst>
+  </p:cSld>
+  <p:clrMapOvr>
+    <a:masterClrMapping/>
+  </p:clrMapOvr>
+</p:sld>
+</file>
+
+<file path=ppt/slides/slide31.xml><?xml version="1.0" encoding="utf-8"?>
+<p:sld xmlns:a="http://schemas.openxmlformats.org/drawingml/2006/main" xmlns:r="http://schemas.openxmlformats.org/officeDocument/2006/relationships" xmlns:p="http://schemas.openxmlformats.org/presentationml/2006/main">
+  <p:cSld>
+    <p:spTree>
+      <p:nvGrpSpPr>
+        <p:cNvPr id="1" name=""/>
+        <p:cNvGrpSpPr/>
+        <p:nvPr/>
+      </p:nvGrpSpPr>
+      <p:grpSpPr>
+        <a:xfrm>
+          <a:off x="0" y="0"/>
+          <a:ext cx="0" cy="0"/>
+          <a:chOff x="0" y="0"/>
+          <a:chExt cx="0" cy="0"/>
+        </a:xfrm>
+      </p:grpSpPr>
+      <p:sp>
+        <p:nvSpPr>
+          <p:cNvPr id="2" name="Title 1"/>
+          <p:cNvSpPr>
+            <a:spLocks noGrp="1"/>
+          </p:cNvSpPr>
+          <p:nvPr>
+            <p:ph type="title"/>
+          </p:nvPr>
+        </p:nvSpPr>
+        <p:spPr/>
+        <p:txBody>
+          <a:bodyPr/>
+          <a:lstStyle/>
+          <a:p>
+            <a:r>
+              <a:rPr lang="en-US" dirty="0" smtClean="0"/>
+              <a:t>What do you think?</a:t>
+            </a:r>
+            <a:endParaRPr lang="en-US" dirty="0"/>
+          </a:p>
+        </p:txBody>
+      </p:sp>
+      <p:sp>
+        <p:nvSpPr>
+          <p:cNvPr id="3" name="Content Placeholder 2"/>
+          <p:cNvSpPr>
+            <a:spLocks noGrp="1"/>
+          </p:cNvSpPr>
+          <p:nvPr>
+            <p:ph idx="1"/>
+          </p:nvPr>
+        </p:nvSpPr>
+        <p:spPr/>
+        <p:txBody>
+          <a:bodyPr/>
+          <a:lstStyle/>
+          <a:p>
+            <a:pPr marL="0" indent="0">
+              <a:buNone/>
+            </a:pPr>
+            <a:r>
+              <a:rPr lang="en-US" dirty="0" smtClean="0"/>
+              <a:t>So, if </a:t>
+            </a:r>
+            <a:r>
+              <a:rPr lang="en-US" dirty="0" err="1" smtClean="0"/>
+              <a:t>Scala</a:t>
+            </a:r>
+            <a:r>
+              <a:rPr lang="en-US" dirty="0" smtClean="0"/>
+              <a:t> only allows functions with single parameters to use {} instead of ()…</a:t>
+            </a:r>
+          </a:p>
+          <a:p>
+            <a:pPr marL="0" indent="0">
+              <a:buNone/>
+            </a:pPr>
+            <a:endParaRPr lang="en-US" dirty="0"/>
+          </a:p>
+          <a:p>
+            <a:pPr marL="0" indent="0">
+              <a:buNone/>
+            </a:pPr>
+            <a:r>
+              <a:rPr lang="en-US" dirty="0" smtClean="0"/>
+              <a:t>What do you think is a possible approach to making this work?</a:t>
+            </a:r>
+            <a:endParaRPr lang="en-US" dirty="0"/>
+          </a:p>
+        </p:txBody>
+      </p:sp>
+      <p:sp>
+        <p:nvSpPr>
+          <p:cNvPr id="4" name="TextBox 3"/>
+          <p:cNvSpPr txBox="1"/>
+          <p:nvPr/>
+        </p:nvSpPr>
+        <p:spPr>
+          <a:xfrm>
+            <a:off x="3536082" y="4467311"/>
+            <a:ext cx="5440968" cy="338554"/>
+          </a:xfrm>
+          <a:prstGeom prst="rect">
+            <a:avLst/>
+          </a:prstGeom>
+          <a:noFill/>
+        </p:spPr>
+        <p:txBody>
+          <a:bodyPr wrap="square" rtlCol="0">
+            <a:spAutoFit/>
+          </a:bodyPr>
+          <a:lstStyle/>
+          <a:p>
+            <a:pPr algn="r"/>
+            <a:r>
+              <a:rPr lang="en-US" sz="1600" dirty="0" err="1" smtClean="0"/>
+              <a:t>func</a:t>
+            </a:r>
+            <a:r>
+              <a:rPr lang="en-US" sz="1600" dirty="0" smtClean="0"/>
+              <a:t>-comp/</a:t>
+            </a:r>
+            <a:r>
+              <a:rPr lang="en-US" sz="1600" dirty="0" err="1" smtClean="0"/>
+              <a:t>src</a:t>
+            </a:r>
+            <a:r>
+              <a:rPr lang="en-US" sz="1600" dirty="0" smtClean="0"/>
+              <a:t>/main/</a:t>
+            </a:r>
+            <a:r>
+              <a:rPr lang="en-US" sz="1600" dirty="0" err="1" smtClean="0"/>
+              <a:t>scala</a:t>
+            </a:r>
+            <a:r>
+              <a:rPr lang="en-US" sz="1600" dirty="0" smtClean="0"/>
+              <a:t>/cs220/control/Control02.scala</a:t>
+            </a:r>
+            <a:endParaRPr lang="en-US" sz="1600" dirty="0"/>
+          </a:p>
+        </p:txBody>
+      </p:sp>
+    </p:spTree>
+    <p:extLst>
+      <p:ext uri="{BB962C8B-B14F-4D97-AF65-F5344CB8AC3E}">
+        <p14:creationId xmlns:p14="http://schemas.microsoft.com/office/powerpoint/2010/main" val="3426889511"/>
+      </p:ext>
+    </p:extLst>
+  </p:cSld>
+  <p:clrMapOvr>
+    <a:masterClrMapping/>
+  </p:clrMapOvr>
+</p:sld>
+</file>
+
+<file path=ppt/slides/slide32.xml><?xml version="1.0" encoding="utf-8"?>
+<p:sld xmlns:a="http://schemas.openxmlformats.org/drawingml/2006/main" xmlns:r="http://schemas.openxmlformats.org/officeDocument/2006/relationships" xmlns:p="http://schemas.openxmlformats.org/presentationml/2006/main">
+  <p:cSld>
+    <p:spTree>
+      <p:nvGrpSpPr>
+        <p:cNvPr id="1" name=""/>
+        <p:cNvGrpSpPr/>
+        <p:nvPr/>
+      </p:nvGrpSpPr>
+      <p:grpSpPr>
+        <a:xfrm>
+          <a:off x="0" y="0"/>
+          <a:ext cx="0" cy="0"/>
+          <a:chOff x="0" y="0"/>
+          <a:chExt cx="0" cy="0"/>
+        </a:xfrm>
+      </p:grpSpPr>
+      <p:sp>
+        <p:nvSpPr>
+          <p:cNvPr id="2" name="Title 1"/>
+          <p:cNvSpPr>
+            <a:spLocks noGrp="1"/>
+          </p:cNvSpPr>
+          <p:nvPr>
+            <p:ph type="title"/>
+          </p:nvPr>
+        </p:nvSpPr>
+        <p:spPr/>
+        <p:txBody>
+          <a:bodyPr/>
+          <a:lstStyle/>
+          <a:p>
+            <a:r>
+              <a:rPr lang="en-US" dirty="0" smtClean="0"/>
+              <a:t>Currying for Control</a:t>
+            </a:r>
+            <a:endParaRPr lang="en-US" dirty="0"/>
+          </a:p>
+        </p:txBody>
+      </p:sp>
+      <p:sp>
+        <p:nvSpPr>
+          <p:cNvPr id="3" name="Content Placeholder 2"/>
+          <p:cNvSpPr>
+            <a:spLocks noGrp="1"/>
+          </p:cNvSpPr>
+          <p:nvPr>
+            <p:ph idx="1"/>
+          </p:nvPr>
+        </p:nvSpPr>
+        <p:spPr>
+          <a:xfrm>
+            <a:off x="197058" y="1060074"/>
+            <a:ext cx="3240496" cy="3754670"/>
+          </a:xfrm>
+          <a:ln>
+            <a:solidFill>
+              <a:schemeClr val="tx1"/>
+            </a:solidFill>
+            <a:prstDash val="sysDash"/>
+          </a:ln>
+        </p:spPr>
+        <p:txBody>
+          <a:bodyPr>
+            <a:normAutofit/>
+          </a:bodyPr>
+          <a:lstStyle/>
+          <a:p>
+            <a:pPr marL="0" indent="0">
+              <a:buNone/>
+            </a:pPr>
+            <a:r>
+              <a:rPr lang="en-US" sz="2000" dirty="0" smtClean="0"/>
+              <a:t>So, the use of currying along with </a:t>
+            </a:r>
+            <a:r>
+              <a:rPr lang="en-US" sz="2000" dirty="0" err="1" smtClean="0"/>
+              <a:t>Scala’s</a:t>
+            </a:r>
+            <a:r>
+              <a:rPr lang="en-US" sz="2000" dirty="0" smtClean="0"/>
+              <a:t> special treatment of single parameter functions gets us closer to something that looks like a control structure provided by the language.</a:t>
+            </a:r>
+          </a:p>
+          <a:p>
+            <a:pPr marL="0" indent="0">
+              <a:buNone/>
+            </a:pPr>
+            <a:endParaRPr lang="en-US" sz="2000" dirty="0">
+              <a:solidFill>
+                <a:srgbClr val="FF0000"/>
+              </a:solidFill>
+            </a:endParaRPr>
+          </a:p>
+          <a:p>
+            <a:pPr marL="0" indent="0">
+              <a:buNone/>
+            </a:pPr>
+            <a:r>
+              <a:rPr lang="en-US" sz="2000" dirty="0" smtClean="0">
+                <a:solidFill>
+                  <a:srgbClr val="FF0000"/>
+                </a:solidFill>
+              </a:rPr>
+              <a:t>How might we implement something without an argument to look like if?</a:t>
+            </a:r>
+            <a:endParaRPr lang="en-US" sz="2000" dirty="0">
+              <a:solidFill>
+                <a:srgbClr val="FF0000"/>
+              </a:solidFill>
+            </a:endParaRPr>
+          </a:p>
+        </p:txBody>
+      </p:sp>
+      <p:sp>
+        <p:nvSpPr>
+          <p:cNvPr id="6" name="TextBox 5"/>
+          <p:cNvSpPr txBox="1"/>
+          <p:nvPr/>
+        </p:nvSpPr>
+        <p:spPr>
+          <a:xfrm>
+            <a:off x="3536081" y="1060074"/>
+            <a:ext cx="5440968" cy="3323987"/>
+          </a:xfrm>
+          <a:prstGeom prst="rect">
+            <a:avLst/>
+          </a:prstGeom>
+          <a:noFill/>
+        </p:spPr>
+        <p:txBody>
+          <a:bodyPr wrap="square" rtlCol="0">
+            <a:spAutoFit/>
+          </a:bodyPr>
+          <a:lstStyle/>
+          <a:p>
+            <a:r>
+              <a:rPr lang="en-US" sz="1400" dirty="0">
+                <a:latin typeface="Andale Mono"/>
+                <a:cs typeface="Andale Mono"/>
+              </a:rPr>
+              <a:t>type Operation = </a:t>
+            </a:r>
+            <a:r>
+              <a:rPr lang="en-US" sz="1400" dirty="0" err="1">
+                <a:latin typeface="Andale Mono"/>
+                <a:cs typeface="Andale Mono"/>
+              </a:rPr>
+              <a:t>PrintWriter</a:t>
+            </a:r>
+            <a:r>
+              <a:rPr lang="en-US" sz="1400" dirty="0">
+                <a:latin typeface="Andale Mono"/>
+                <a:cs typeface="Andale Mono"/>
+              </a:rPr>
+              <a:t> =&gt; Unit</a:t>
+            </a:r>
+          </a:p>
+          <a:p>
+            <a:endParaRPr lang="en-US" sz="1400" dirty="0" smtClean="0">
+              <a:latin typeface="Andale Mono"/>
+              <a:cs typeface="Andale Mono"/>
+            </a:endParaRPr>
+          </a:p>
+          <a:p>
+            <a:r>
+              <a:rPr lang="en-US" sz="1400" dirty="0" err="1" smtClean="0">
+                <a:latin typeface="Andale Mono"/>
+                <a:cs typeface="Andale Mono"/>
+              </a:rPr>
+              <a:t>def</a:t>
+            </a:r>
+            <a:r>
+              <a:rPr lang="en-US" sz="1400" dirty="0" smtClean="0">
+                <a:latin typeface="Andale Mono"/>
+                <a:cs typeface="Andale Mono"/>
+              </a:rPr>
+              <a:t> </a:t>
+            </a:r>
+            <a:r>
+              <a:rPr lang="en-US" sz="1400" dirty="0" err="1">
+                <a:latin typeface="Andale Mono"/>
+                <a:cs typeface="Andale Mono"/>
+              </a:rPr>
+              <a:t>withPrintWriter</a:t>
+            </a:r>
+            <a:r>
+              <a:rPr lang="en-US" sz="1400" dirty="0">
+                <a:latin typeface="Andale Mono"/>
+                <a:cs typeface="Andale Mono"/>
+              </a:rPr>
+              <a:t>(file: </a:t>
+            </a:r>
+            <a:r>
+              <a:rPr lang="en-US" sz="1400" dirty="0" smtClean="0">
+                <a:latin typeface="Andale Mono"/>
+                <a:cs typeface="Andale Mono"/>
+              </a:rPr>
+              <a:t>File)(op</a:t>
+            </a:r>
+            <a:r>
+              <a:rPr lang="en-US" sz="1400" dirty="0">
+                <a:latin typeface="Andale Mono"/>
+                <a:cs typeface="Andale Mono"/>
+              </a:rPr>
+              <a:t>: Operation) {</a:t>
+            </a:r>
+          </a:p>
+          <a:p>
+            <a:r>
+              <a:rPr lang="en-US" sz="1400" dirty="0">
+                <a:latin typeface="Andale Mono"/>
+                <a:cs typeface="Andale Mono"/>
+              </a:rPr>
+              <a:t>  </a:t>
+            </a:r>
+            <a:r>
+              <a:rPr lang="en-US" sz="1400" dirty="0" err="1">
+                <a:latin typeface="Andale Mono"/>
+                <a:cs typeface="Andale Mono"/>
+              </a:rPr>
+              <a:t>val</a:t>
+            </a:r>
+            <a:r>
+              <a:rPr lang="en-US" sz="1400" dirty="0">
+                <a:latin typeface="Andale Mono"/>
+                <a:cs typeface="Andale Mono"/>
+              </a:rPr>
+              <a:t> writer = new </a:t>
+            </a:r>
+            <a:r>
+              <a:rPr lang="en-US" sz="1400" dirty="0" err="1">
+                <a:latin typeface="Andale Mono"/>
+                <a:cs typeface="Andale Mono"/>
+              </a:rPr>
+              <a:t>PrintWriter</a:t>
+            </a:r>
+            <a:r>
+              <a:rPr lang="en-US" sz="1400" dirty="0">
+                <a:latin typeface="Andale Mono"/>
+                <a:cs typeface="Andale Mono"/>
+              </a:rPr>
+              <a:t>(file)</a:t>
+            </a:r>
+          </a:p>
+          <a:p>
+            <a:r>
+              <a:rPr lang="en-US" sz="1400" dirty="0">
+                <a:latin typeface="Andale Mono"/>
+                <a:cs typeface="Andale Mono"/>
+              </a:rPr>
+              <a:t>  </a:t>
+            </a:r>
+            <a:r>
+              <a:rPr lang="en-US" sz="1400" b="1" dirty="0">
+                <a:latin typeface="Andale Mono"/>
+                <a:cs typeface="Andale Mono"/>
+              </a:rPr>
+              <a:t>try</a:t>
+            </a:r>
+            <a:r>
+              <a:rPr lang="en-US" sz="1400" dirty="0">
+                <a:latin typeface="Andale Mono"/>
+                <a:cs typeface="Andale Mono"/>
+              </a:rPr>
+              <a:t> {</a:t>
+            </a:r>
+          </a:p>
+          <a:p>
+            <a:r>
+              <a:rPr lang="en-US" sz="1400" dirty="0">
+                <a:latin typeface="Andale Mono"/>
+                <a:cs typeface="Andale Mono"/>
+              </a:rPr>
+              <a:t>    op(writer)</a:t>
+            </a:r>
+          </a:p>
+          <a:p>
+            <a:r>
+              <a:rPr lang="en-US" sz="1400" dirty="0">
+                <a:latin typeface="Andale Mono"/>
+                <a:cs typeface="Andale Mono"/>
+              </a:rPr>
+              <a:t>  } </a:t>
+            </a:r>
+            <a:r>
+              <a:rPr lang="en-US" sz="1400" b="1" dirty="0">
+                <a:latin typeface="Andale Mono"/>
+                <a:cs typeface="Andale Mono"/>
+              </a:rPr>
+              <a:t>finally</a:t>
+            </a:r>
+            <a:r>
+              <a:rPr lang="en-US" sz="1400" dirty="0">
+                <a:latin typeface="Andale Mono"/>
+                <a:cs typeface="Andale Mono"/>
+              </a:rPr>
+              <a:t> {</a:t>
+            </a:r>
+          </a:p>
+          <a:p>
+            <a:r>
+              <a:rPr lang="en-US" sz="1400" dirty="0">
+                <a:latin typeface="Andale Mono"/>
+                <a:cs typeface="Andale Mono"/>
+              </a:rPr>
+              <a:t>    </a:t>
+            </a:r>
+            <a:r>
+              <a:rPr lang="en-US" sz="1400" dirty="0" err="1">
+                <a:latin typeface="Andale Mono"/>
+                <a:cs typeface="Andale Mono"/>
+              </a:rPr>
+              <a:t>writer.close</a:t>
+            </a:r>
+            <a:r>
+              <a:rPr lang="en-US" sz="1400" dirty="0">
+                <a:latin typeface="Andale Mono"/>
+                <a:cs typeface="Andale Mono"/>
+              </a:rPr>
+              <a:t>()</a:t>
+            </a:r>
+          </a:p>
+          <a:p>
+            <a:r>
+              <a:rPr lang="en-US" sz="1400" dirty="0">
+                <a:latin typeface="Andale Mono"/>
+                <a:cs typeface="Andale Mono"/>
+              </a:rPr>
+              <a:t>  }</a:t>
+            </a:r>
+          </a:p>
+          <a:p>
+            <a:r>
+              <a:rPr lang="en-US" sz="1400" dirty="0" smtClean="0">
+                <a:latin typeface="Andale Mono"/>
+                <a:cs typeface="Andale Mono"/>
+              </a:rPr>
+              <a:t>}</a:t>
+            </a:r>
+          </a:p>
+          <a:p>
+            <a:endParaRPr lang="en-US" sz="1400" dirty="0">
+              <a:latin typeface="Andale Mono"/>
+              <a:cs typeface="Andale Mono"/>
+            </a:endParaRPr>
+          </a:p>
+          <a:p>
+            <a:r>
+              <a:rPr lang="en-US" sz="1400" dirty="0" err="1" smtClean="0">
+                <a:latin typeface="Andale Mono"/>
+                <a:cs typeface="Andale Mono"/>
+              </a:rPr>
+              <a:t>val</a:t>
+            </a:r>
+            <a:r>
+              <a:rPr lang="en-US" sz="1400" dirty="0" smtClean="0">
+                <a:latin typeface="Andale Mono"/>
+                <a:cs typeface="Andale Mono"/>
+              </a:rPr>
+              <a:t> file = new File(“</a:t>
+            </a:r>
+            <a:r>
+              <a:rPr lang="en-US" sz="1400" dirty="0" err="1" smtClean="0">
+                <a:latin typeface="Andale Mono"/>
+                <a:cs typeface="Andale Mono"/>
+              </a:rPr>
+              <a:t>date.txt</a:t>
+            </a:r>
+            <a:r>
+              <a:rPr lang="en-US" sz="1400" dirty="0" smtClean="0">
+                <a:latin typeface="Andale Mono"/>
+                <a:cs typeface="Andale Mono"/>
+              </a:rPr>
+              <a:t>”)</a:t>
+            </a:r>
+          </a:p>
+          <a:p>
+            <a:r>
+              <a:rPr lang="en-US" sz="1400" dirty="0" err="1" smtClean="0">
+                <a:latin typeface="Andale Mono"/>
+                <a:cs typeface="Andale Mono"/>
+              </a:rPr>
+              <a:t>withPrintWriter</a:t>
+            </a:r>
+            <a:r>
+              <a:rPr lang="en-US" sz="1400" dirty="0" smtClean="0">
+                <a:latin typeface="Andale Mono"/>
+                <a:cs typeface="Andale Mono"/>
+              </a:rPr>
+              <a:t>(file) {</a:t>
+            </a:r>
+          </a:p>
+          <a:p>
+            <a:r>
+              <a:rPr lang="en-US" sz="1400" dirty="0" smtClean="0">
+                <a:latin typeface="Andale Mono"/>
+                <a:cs typeface="Andale Mono"/>
+              </a:rPr>
+              <a:t>  writer =&gt; </a:t>
+            </a:r>
+            <a:r>
+              <a:rPr lang="en-US" sz="1400" dirty="0" err="1" smtClean="0">
+                <a:latin typeface="Andale Mono"/>
+                <a:cs typeface="Andale Mono"/>
+              </a:rPr>
+              <a:t>writer.println</a:t>
+            </a:r>
+            <a:r>
+              <a:rPr lang="en-US" sz="1400" dirty="0" smtClean="0">
+                <a:latin typeface="Andale Mono"/>
+                <a:cs typeface="Andale Mono"/>
+              </a:rPr>
+              <a:t>(new Date)</a:t>
+            </a:r>
+            <a:endParaRPr lang="en-US" sz="1400" dirty="0">
+              <a:latin typeface="Andale Mono"/>
+              <a:cs typeface="Andale Mono"/>
+            </a:endParaRPr>
+          </a:p>
+          <a:p>
+            <a:r>
+              <a:rPr lang="en-US" sz="1400" dirty="0" smtClean="0">
+                <a:latin typeface="Andale Mono"/>
+                <a:cs typeface="Andale Mono"/>
+              </a:rPr>
+              <a:t>}</a:t>
+            </a:r>
+            <a:endParaRPr lang="en-US" sz="1400" dirty="0">
+              <a:latin typeface="Andale Mono"/>
+              <a:cs typeface="Andale Mono"/>
+            </a:endParaRPr>
+          </a:p>
+        </p:txBody>
+      </p:sp>
+    </p:spTree>
+    <p:extLst>
+      <p:ext uri="{BB962C8B-B14F-4D97-AF65-F5344CB8AC3E}">
+        <p14:creationId xmlns:p14="http://schemas.microsoft.com/office/powerpoint/2010/main" val="1223300143"/>
+      </p:ext>
+    </p:extLst>
+  </p:cSld>
+  <p:clrMapOvr>
+    <a:masterClrMapping/>
+  </p:clrMapOvr>
+</p:sld>
+</file>
+
+<file path=ppt/slides/slide33.xml><?xml version="1.0" encoding="utf-8"?>
+<p:sld xmlns:a="http://schemas.openxmlformats.org/drawingml/2006/main" xmlns:r="http://schemas.openxmlformats.org/officeDocument/2006/relationships" xmlns:p="http://schemas.openxmlformats.org/presentationml/2006/main">
+  <p:cSld>
+    <p:spTree>
+      <p:nvGrpSpPr>
+        <p:cNvPr id="1" name=""/>
+        <p:cNvGrpSpPr/>
+        <p:nvPr/>
+      </p:nvGrpSpPr>
+      <p:grpSpPr>
+        <a:xfrm>
+          <a:off x="0" y="0"/>
+          <a:ext cx="0" cy="0"/>
+          <a:chOff x="0" y="0"/>
+          <a:chExt cx="0" cy="0"/>
+        </a:xfrm>
+      </p:grpSpPr>
+      <p:sp>
+        <p:nvSpPr>
+          <p:cNvPr id="2" name="Title 1"/>
+          <p:cNvSpPr>
+            <a:spLocks noGrp="1"/>
+          </p:cNvSpPr>
+          <p:nvPr>
+            <p:ph type="title"/>
+          </p:nvPr>
+        </p:nvSpPr>
+        <p:spPr/>
+        <p:txBody>
+          <a:bodyPr/>
+          <a:lstStyle/>
+          <a:p>
+            <a:r>
+              <a:rPr lang="en-US" dirty="0" smtClean="0"/>
+              <a:t>By-Value Parameters</a:t>
+            </a:r>
+            <a:endParaRPr lang="en-US" dirty="0"/>
+          </a:p>
+        </p:txBody>
+      </p:sp>
+      <p:sp>
+        <p:nvSpPr>
+          <p:cNvPr id="3" name="Content Placeholder 2"/>
+          <p:cNvSpPr>
+            <a:spLocks noGrp="1"/>
+          </p:cNvSpPr>
+          <p:nvPr>
+            <p:ph idx="1"/>
+          </p:nvPr>
+        </p:nvSpPr>
+        <p:spPr/>
+        <p:txBody>
+          <a:bodyPr>
+            <a:normAutofit/>
+          </a:bodyPr>
+          <a:lstStyle/>
+          <a:p>
+            <a:pPr marL="0" indent="0">
+              <a:buNone/>
+            </a:pPr>
+            <a:r>
+              <a:rPr lang="en-US" sz="2400" dirty="0" smtClean="0"/>
+              <a:t>Arguments to functions are typically passed by </a:t>
+            </a:r>
+            <a:r>
+              <a:rPr lang="en-US" sz="2400" b="1" dirty="0" smtClean="0"/>
+              <a:t>value</a:t>
+            </a:r>
+            <a:r>
+              <a:rPr lang="en-US" sz="2400" dirty="0" smtClean="0"/>
+              <a:t>. That is, they are evaluated before they are passed to the function body.</a:t>
+            </a:r>
+          </a:p>
+          <a:p>
+            <a:pPr marL="0" indent="0">
+              <a:buNone/>
+            </a:pPr>
+            <a:endParaRPr lang="en-US" sz="2400" dirty="0"/>
+          </a:p>
+          <a:p>
+            <a:pPr marL="0" indent="0">
+              <a:buNone/>
+            </a:pPr>
+            <a:r>
+              <a:rPr lang="en-US" sz="2400" dirty="0" err="1" smtClean="0"/>
+              <a:t>def</a:t>
+            </a:r>
+            <a:r>
+              <a:rPr lang="en-US" sz="2400" dirty="0" smtClean="0"/>
+              <a:t> add(x: </a:t>
+            </a:r>
+            <a:r>
+              <a:rPr lang="en-US" sz="2400" dirty="0" err="1" smtClean="0"/>
+              <a:t>Int</a:t>
+            </a:r>
+            <a:r>
+              <a:rPr lang="en-US" sz="2400" dirty="0" smtClean="0"/>
+              <a:t>, y: </a:t>
+            </a:r>
+            <a:r>
+              <a:rPr lang="en-US" sz="2400" dirty="0" err="1" smtClean="0"/>
+              <a:t>Int</a:t>
+            </a:r>
+            <a:r>
+              <a:rPr lang="en-US" sz="2400" dirty="0" smtClean="0"/>
+              <a:t>) = x + y</a:t>
+            </a:r>
+          </a:p>
+          <a:p>
+            <a:pPr marL="0" indent="0">
+              <a:buNone/>
+            </a:pPr>
+            <a:endParaRPr lang="en-US" sz="2400" dirty="0"/>
+          </a:p>
+          <a:p>
+            <a:pPr marL="0" indent="0">
+              <a:buNone/>
+            </a:pPr>
+            <a:r>
+              <a:rPr lang="en-US" sz="2400" dirty="0" smtClean="0"/>
+              <a:t>add(1+2+3, 4) =&gt; add(6, 4) =&gt; 10</a:t>
+            </a:r>
+          </a:p>
+        </p:txBody>
+      </p:sp>
+    </p:spTree>
+    <p:extLst>
+      <p:ext uri="{BB962C8B-B14F-4D97-AF65-F5344CB8AC3E}">
+        <p14:creationId xmlns:p14="http://schemas.microsoft.com/office/powerpoint/2010/main" val="1911125336"/>
+      </p:ext>
+    </p:extLst>
+  </p:cSld>
+  <p:clrMapOvr>
+    <a:masterClrMapping/>
+  </p:clrMapOvr>
+</p:sld>
+</file>
+
+<file path=ppt/slides/slide34.xml><?xml version="1.0" encoding="utf-8"?>
+<p:sld xmlns:a="http://schemas.openxmlformats.org/drawingml/2006/main" xmlns:r="http://schemas.openxmlformats.org/officeDocument/2006/relationships" xmlns:p="http://schemas.openxmlformats.org/presentationml/2006/main">
+  <p:cSld>
+    <p:spTree>
+      <p:nvGrpSpPr>
+        <p:cNvPr id="1" name=""/>
+        <p:cNvGrpSpPr/>
+        <p:nvPr/>
+      </p:nvGrpSpPr>
+      <p:grpSpPr>
+        <a:xfrm>
+          <a:off x="0" y="0"/>
+          <a:ext cx="0" cy="0"/>
+          <a:chOff x="0" y="0"/>
+          <a:chExt cx="0" cy="0"/>
+        </a:xfrm>
+      </p:grpSpPr>
+      <p:sp>
+        <p:nvSpPr>
+          <p:cNvPr id="2" name="Title 1"/>
+          <p:cNvSpPr>
+            <a:spLocks noGrp="1"/>
+          </p:cNvSpPr>
+          <p:nvPr>
+            <p:ph type="title"/>
+          </p:nvPr>
+        </p:nvSpPr>
+        <p:spPr/>
+        <p:txBody>
+          <a:bodyPr/>
+          <a:lstStyle/>
+          <a:p>
+            <a:r>
+              <a:rPr lang="en-US" dirty="0" smtClean="0"/>
+              <a:t>By-Name Parameters</a:t>
+            </a:r>
+            <a:endParaRPr lang="en-US" dirty="0"/>
+          </a:p>
+        </p:txBody>
+      </p:sp>
+      <p:sp>
+        <p:nvSpPr>
+          <p:cNvPr id="3" name="Content Placeholder 2"/>
+          <p:cNvSpPr>
+            <a:spLocks noGrp="1"/>
+          </p:cNvSpPr>
+          <p:nvPr>
+            <p:ph idx="1"/>
+          </p:nvPr>
+        </p:nvSpPr>
+        <p:spPr/>
+        <p:txBody>
+          <a:bodyPr>
+            <a:normAutofit/>
+          </a:bodyPr>
+          <a:lstStyle/>
+          <a:p>
+            <a:pPr marL="0" indent="0">
+              <a:buNone/>
+            </a:pPr>
+            <a:r>
+              <a:rPr lang="en-US" sz="2400" dirty="0" smtClean="0"/>
+              <a:t>Another possibility is to not evaluate the arguments before they are passed to the function, rather, they are evaluated inside of the function body. This is called passing by </a:t>
+            </a:r>
+            <a:r>
+              <a:rPr lang="en-US" sz="2400" b="1" dirty="0" smtClean="0"/>
+              <a:t>name</a:t>
+            </a:r>
+            <a:r>
+              <a:rPr lang="en-US" sz="2400" dirty="0" smtClean="0"/>
+              <a:t>.</a:t>
+            </a:r>
+          </a:p>
+          <a:p>
+            <a:pPr marL="0" indent="0">
+              <a:buNone/>
+            </a:pPr>
+            <a:endParaRPr lang="en-US" sz="2400" dirty="0"/>
+          </a:p>
+          <a:p>
+            <a:pPr marL="0" indent="0">
+              <a:buNone/>
+            </a:pPr>
+            <a:r>
+              <a:rPr lang="en-US" sz="2400" dirty="0" err="1" smtClean="0"/>
+              <a:t>def</a:t>
+            </a:r>
+            <a:r>
+              <a:rPr lang="en-US" sz="2400" dirty="0" smtClean="0"/>
+              <a:t> add(x: </a:t>
+            </a:r>
+            <a:r>
+              <a:rPr lang="en-US" sz="2400" dirty="0" err="1" smtClean="0"/>
+              <a:t>Int</a:t>
+            </a:r>
+            <a:r>
+              <a:rPr lang="en-US" sz="2400" dirty="0" smtClean="0"/>
+              <a:t>, y: </a:t>
+            </a:r>
+            <a:r>
+              <a:rPr lang="en-US" sz="2400" dirty="0" err="1" smtClean="0"/>
+              <a:t>Int</a:t>
+            </a:r>
+            <a:r>
+              <a:rPr lang="en-US" sz="2400" dirty="0" smtClean="0"/>
+              <a:t>) = x + y</a:t>
+            </a:r>
+          </a:p>
+          <a:p>
+            <a:pPr marL="0" indent="0">
+              <a:buNone/>
+            </a:pPr>
+            <a:endParaRPr lang="en-US" sz="2400" dirty="0"/>
+          </a:p>
+          <a:p>
+            <a:pPr marL="0" indent="0">
+              <a:buNone/>
+            </a:pPr>
+            <a:r>
+              <a:rPr lang="en-US" sz="2400" dirty="0" smtClean="0"/>
+              <a:t>add(1+2+3, 4) =&gt; 1+2+3+4 =&gt; 10</a:t>
+            </a:r>
+          </a:p>
+        </p:txBody>
+      </p:sp>
+    </p:spTree>
+    <p:extLst>
+      <p:ext uri="{BB962C8B-B14F-4D97-AF65-F5344CB8AC3E}">
+        <p14:creationId xmlns:p14="http://schemas.microsoft.com/office/powerpoint/2010/main" val="3487468910"/>
+      </p:ext>
+    </p:extLst>
+  </p:cSld>
+  <p:clrMapOvr>
+    <a:masterClrMapping/>
+  </p:clrMapOvr>
+</p:sld>
+</file>
+
+<file path=ppt/slides/slide35.xml><?xml version="1.0" encoding="utf-8"?>
+<p:sld xmlns:a="http://schemas.openxmlformats.org/drawingml/2006/main" xmlns:r="http://schemas.openxmlformats.org/officeDocument/2006/relationships" xmlns:p="http://schemas.openxmlformats.org/presentationml/2006/main">
+  <p:cSld>
+    <p:spTree>
+      <p:nvGrpSpPr>
+        <p:cNvPr id="1" name=""/>
+        <p:cNvGrpSpPr/>
+        <p:nvPr/>
+      </p:nvGrpSpPr>
+      <p:grpSpPr>
+        <a:xfrm>
+          <a:off x="0" y="0"/>
+          <a:ext cx="0" cy="0"/>
+          <a:chOff x="0" y="0"/>
+          <a:chExt cx="0" cy="0"/>
+        </a:xfrm>
+      </p:grpSpPr>
+      <p:sp>
+        <p:nvSpPr>
+          <p:cNvPr id="2" name="Title 1"/>
+          <p:cNvSpPr>
+            <a:spLocks noGrp="1"/>
+          </p:cNvSpPr>
+          <p:nvPr>
+            <p:ph type="title"/>
+          </p:nvPr>
+        </p:nvSpPr>
+        <p:spPr/>
+        <p:txBody>
+          <a:bodyPr/>
+          <a:lstStyle/>
+          <a:p>
+            <a:r>
+              <a:rPr lang="en-US" dirty="0" smtClean="0"/>
+              <a:t>Asserting Control</a:t>
+            </a:r>
+            <a:endParaRPr lang="en-US" dirty="0"/>
+          </a:p>
+        </p:txBody>
+      </p:sp>
+      <p:sp>
+        <p:nvSpPr>
+          <p:cNvPr id="3" name="Content Placeholder 2"/>
+          <p:cNvSpPr>
+            <a:spLocks noGrp="1"/>
+          </p:cNvSpPr>
+          <p:nvPr>
+            <p:ph idx="1"/>
+          </p:nvPr>
+        </p:nvSpPr>
+        <p:spPr>
+          <a:xfrm>
+            <a:off x="197058" y="1060074"/>
+            <a:ext cx="3240496" cy="3754670"/>
+          </a:xfrm>
+          <a:ln>
+            <a:solidFill>
+              <a:schemeClr val="tx1"/>
+            </a:solidFill>
+            <a:prstDash val="sysDash"/>
+          </a:ln>
+        </p:spPr>
+        <p:txBody>
+          <a:bodyPr>
+            <a:normAutofit/>
+          </a:bodyPr>
+          <a:lstStyle/>
+          <a:p>
+            <a:pPr marL="0" indent="0">
+              <a:buNone/>
+            </a:pPr>
+            <a:r>
+              <a:rPr lang="en-US" sz="2000" dirty="0" smtClean="0"/>
+              <a:t>What if we wanted to implement an </a:t>
+            </a:r>
+            <a:r>
+              <a:rPr lang="en-US" sz="2000" i="1" dirty="0" smtClean="0"/>
+              <a:t>assert</a:t>
+            </a:r>
+            <a:r>
+              <a:rPr lang="en-US" sz="2000" dirty="0" smtClean="0"/>
+              <a:t> statement that only executes its argument if assertions are enabled?</a:t>
+            </a:r>
+            <a:endParaRPr lang="en-US" sz="2000" dirty="0">
+              <a:solidFill>
+                <a:srgbClr val="FF0000"/>
+              </a:solidFill>
+            </a:endParaRPr>
+          </a:p>
+        </p:txBody>
+      </p:sp>
+      <p:sp>
+        <p:nvSpPr>
+          <p:cNvPr id="6" name="TextBox 5"/>
+          <p:cNvSpPr txBox="1"/>
+          <p:nvPr/>
+        </p:nvSpPr>
+        <p:spPr>
+          <a:xfrm>
+            <a:off x="3536081" y="1060074"/>
+            <a:ext cx="5440968" cy="1169551"/>
+          </a:xfrm>
+          <a:prstGeom prst="rect">
+            <a:avLst/>
+          </a:prstGeom>
+          <a:noFill/>
+        </p:spPr>
+        <p:txBody>
+          <a:bodyPr wrap="square" rtlCol="0">
+            <a:spAutoFit/>
+          </a:bodyPr>
+          <a:lstStyle/>
+          <a:p>
+            <a:r>
+              <a:rPr lang="en-US" sz="1400" dirty="0" err="1" smtClean="0">
+                <a:latin typeface="Andale Mono"/>
+                <a:cs typeface="Andale Mono"/>
+              </a:rPr>
+              <a:t>var</a:t>
+            </a:r>
+            <a:r>
+              <a:rPr lang="en-US" sz="1400" dirty="0" smtClean="0">
+                <a:latin typeface="Andale Mono"/>
+                <a:cs typeface="Andale Mono"/>
+              </a:rPr>
+              <a:t> </a:t>
+            </a:r>
+            <a:r>
+              <a:rPr lang="en-US" sz="1400" dirty="0" err="1" smtClean="0">
+                <a:latin typeface="Andale Mono"/>
+                <a:cs typeface="Andale Mono"/>
+              </a:rPr>
+              <a:t>assertionsEnabled</a:t>
+            </a:r>
+            <a:r>
+              <a:rPr lang="en-US" sz="1400" dirty="0" smtClean="0">
+                <a:latin typeface="Andale Mono"/>
+                <a:cs typeface="Andale Mono"/>
+              </a:rPr>
+              <a:t> = true</a:t>
+            </a:r>
+          </a:p>
+          <a:p>
+            <a:endParaRPr lang="en-US" sz="1400" dirty="0">
+              <a:latin typeface="Andale Mono"/>
+              <a:cs typeface="Andale Mono"/>
+            </a:endParaRPr>
+          </a:p>
+          <a:p>
+            <a:r>
+              <a:rPr lang="en-US" sz="1400" dirty="0" err="1" smtClean="0">
+                <a:latin typeface="Andale Mono"/>
+                <a:cs typeface="Andale Mono"/>
+              </a:rPr>
+              <a:t>def</a:t>
+            </a:r>
+            <a:r>
+              <a:rPr lang="en-US" sz="1400" dirty="0" smtClean="0">
+                <a:latin typeface="Andale Mono"/>
+                <a:cs typeface="Andale Mono"/>
+              </a:rPr>
+              <a:t> </a:t>
+            </a:r>
+            <a:r>
+              <a:rPr lang="en-US" sz="1400" dirty="0" err="1" smtClean="0">
+                <a:latin typeface="Andale Mono"/>
+                <a:cs typeface="Andale Mono"/>
+              </a:rPr>
+              <a:t>myAssert</a:t>
+            </a:r>
+            <a:r>
+              <a:rPr lang="en-US" sz="1400" dirty="0" smtClean="0">
+                <a:latin typeface="Andale Mono"/>
+                <a:cs typeface="Andale Mono"/>
+              </a:rPr>
+              <a:t>(predicate: () =&gt; Boolean) =</a:t>
+            </a:r>
+          </a:p>
+          <a:p>
+            <a:r>
+              <a:rPr lang="en-US" sz="1400" dirty="0">
+                <a:latin typeface="Andale Mono"/>
+                <a:cs typeface="Andale Mono"/>
+              </a:rPr>
+              <a:t> </a:t>
+            </a:r>
+            <a:r>
+              <a:rPr lang="en-US" sz="1400" dirty="0" smtClean="0">
+                <a:latin typeface="Andale Mono"/>
+                <a:cs typeface="Andale Mono"/>
+              </a:rPr>
+              <a:t> if (</a:t>
+            </a:r>
+            <a:r>
+              <a:rPr lang="en-US" sz="1400" dirty="0" err="1" smtClean="0">
+                <a:latin typeface="Andale Mono"/>
+                <a:cs typeface="Andale Mono"/>
+              </a:rPr>
+              <a:t>assertionsEnabled</a:t>
+            </a:r>
+            <a:r>
+              <a:rPr lang="en-US" sz="1400" dirty="0" smtClean="0">
+                <a:latin typeface="Andale Mono"/>
+                <a:cs typeface="Andale Mono"/>
+              </a:rPr>
+              <a:t> &amp;&amp; !predicate())</a:t>
+            </a:r>
+          </a:p>
+          <a:p>
+            <a:r>
+              <a:rPr lang="en-US" sz="1400" dirty="0">
+                <a:latin typeface="Andale Mono"/>
+                <a:cs typeface="Andale Mono"/>
+              </a:rPr>
+              <a:t> </a:t>
+            </a:r>
+            <a:r>
+              <a:rPr lang="en-US" sz="1400" dirty="0" smtClean="0">
+                <a:latin typeface="Andale Mono"/>
+                <a:cs typeface="Andale Mono"/>
+              </a:rPr>
+              <a:t>   throw new </a:t>
+            </a:r>
+            <a:r>
+              <a:rPr lang="en-US" sz="1400" dirty="0" err="1" smtClean="0">
+                <a:latin typeface="Andale Mono"/>
+                <a:cs typeface="Andale Mono"/>
+              </a:rPr>
+              <a:t>AssertionError</a:t>
+            </a:r>
+            <a:endParaRPr lang="en-US" sz="1400" dirty="0">
+              <a:latin typeface="Andale Mono"/>
+              <a:cs typeface="Andale Mono"/>
+            </a:endParaRPr>
+          </a:p>
+        </p:txBody>
+      </p:sp>
+      <p:sp>
+        <p:nvSpPr>
+          <p:cNvPr id="5" name="TextBox 4"/>
+          <p:cNvSpPr txBox="1"/>
+          <p:nvPr/>
+        </p:nvSpPr>
+        <p:spPr>
+          <a:xfrm>
+            <a:off x="3536082" y="4467311"/>
+            <a:ext cx="5440968" cy="338554"/>
+          </a:xfrm>
+          <a:prstGeom prst="rect">
+            <a:avLst/>
+          </a:prstGeom>
+          <a:noFill/>
+        </p:spPr>
+        <p:txBody>
+          <a:bodyPr wrap="square" rtlCol="0">
+            <a:spAutoFit/>
+          </a:bodyPr>
+          <a:lstStyle/>
+          <a:p>
+            <a:pPr algn="r"/>
+            <a:r>
+              <a:rPr lang="en-US" sz="1600" dirty="0" err="1" smtClean="0"/>
+              <a:t>func</a:t>
+            </a:r>
+            <a:r>
+              <a:rPr lang="en-US" sz="1600" dirty="0" smtClean="0"/>
+              <a:t>-comp/</a:t>
+            </a:r>
+            <a:r>
+              <a:rPr lang="en-US" sz="1600" dirty="0" err="1" smtClean="0"/>
+              <a:t>src</a:t>
+            </a:r>
+            <a:r>
+              <a:rPr lang="en-US" sz="1600" dirty="0" smtClean="0"/>
+              <a:t>/main/</a:t>
+            </a:r>
+            <a:r>
+              <a:rPr lang="en-US" sz="1600" dirty="0" err="1" smtClean="0"/>
+              <a:t>scala</a:t>
+            </a:r>
+            <a:r>
+              <a:rPr lang="en-US" sz="1600" dirty="0" smtClean="0"/>
+              <a:t>/cs220/control/Control03.scala</a:t>
+            </a:r>
+            <a:endParaRPr lang="en-US" sz="1600" dirty="0"/>
+          </a:p>
+        </p:txBody>
+      </p:sp>
+    </p:spTree>
+    <p:extLst>
+      <p:ext uri="{BB962C8B-B14F-4D97-AF65-F5344CB8AC3E}">
+        <p14:creationId xmlns:p14="http://schemas.microsoft.com/office/powerpoint/2010/main" val="1803767745"/>
+      </p:ext>
+    </p:extLst>
+  </p:cSld>
+  <p:clrMapOvr>
+    <a:masterClrMapping/>
+  </p:clrMapOvr>
+</p:sld>
+</file>
+
+<file path=ppt/slides/slide36.xml><?xml version="1.0" encoding="utf-8"?>
+<p:sld xmlns:a="http://schemas.openxmlformats.org/drawingml/2006/main" xmlns:r="http://schemas.openxmlformats.org/officeDocument/2006/relationships" xmlns:p="http://schemas.openxmlformats.org/presentationml/2006/main">
+  <p:cSld>
+    <p:spTree>
+      <p:nvGrpSpPr>
+        <p:cNvPr id="1" name=""/>
+        <p:cNvGrpSpPr/>
+        <p:nvPr/>
+      </p:nvGrpSpPr>
+      <p:grpSpPr>
+        <a:xfrm>
+          <a:off x="0" y="0"/>
+          <a:ext cx="0" cy="0"/>
+          <a:chOff x="0" y="0"/>
+          <a:chExt cx="0" cy="0"/>
+        </a:xfrm>
+      </p:grpSpPr>
+      <p:sp>
+        <p:nvSpPr>
+          <p:cNvPr id="2" name="Title 1"/>
+          <p:cNvSpPr>
+            <a:spLocks noGrp="1"/>
+          </p:cNvSpPr>
+          <p:nvPr>
+            <p:ph type="title"/>
+          </p:nvPr>
+        </p:nvSpPr>
+        <p:spPr/>
+        <p:txBody>
+          <a:bodyPr/>
+          <a:lstStyle/>
+          <a:p>
+            <a:r>
+              <a:rPr lang="en-US" dirty="0" smtClean="0"/>
+              <a:t>Asserting Control</a:t>
+            </a:r>
+            <a:endParaRPr lang="en-US" dirty="0"/>
+          </a:p>
+        </p:txBody>
+      </p:sp>
+      <p:sp>
+        <p:nvSpPr>
+          <p:cNvPr id="3" name="Content Placeholder 2"/>
+          <p:cNvSpPr>
+            <a:spLocks noGrp="1"/>
+          </p:cNvSpPr>
+          <p:nvPr>
+            <p:ph idx="1"/>
+          </p:nvPr>
+        </p:nvSpPr>
+        <p:spPr>
+          <a:xfrm>
+            <a:off x="197058" y="1060074"/>
+            <a:ext cx="3240496" cy="3754670"/>
+          </a:xfrm>
+          <a:ln>
+            <a:solidFill>
+              <a:schemeClr val="tx1"/>
+            </a:solidFill>
+            <a:prstDash val="sysDash"/>
+          </a:ln>
+        </p:spPr>
+        <p:txBody>
+          <a:bodyPr>
+            <a:normAutofit/>
+          </a:bodyPr>
+          <a:lstStyle/>
+          <a:p>
+            <a:pPr marL="0" indent="0">
+              <a:buNone/>
+            </a:pPr>
+            <a:r>
+              <a:rPr lang="en-US" sz="2000" dirty="0" smtClean="0"/>
+              <a:t>What if we wanted to implement an </a:t>
+            </a:r>
+            <a:r>
+              <a:rPr lang="en-US" sz="2000" i="1" dirty="0" smtClean="0"/>
+              <a:t>assert</a:t>
+            </a:r>
+            <a:r>
+              <a:rPr lang="en-US" sz="2000" dirty="0" smtClean="0"/>
+              <a:t> statement that only executes its argument if assertions are enabled?</a:t>
+            </a:r>
+          </a:p>
+          <a:p>
+            <a:pPr marL="0" indent="0">
+              <a:buNone/>
+            </a:pPr>
+            <a:endParaRPr lang="en-US" sz="2000" dirty="0">
+              <a:solidFill>
+                <a:srgbClr val="FF0000"/>
+              </a:solidFill>
+            </a:endParaRPr>
+          </a:p>
+          <a:p>
+            <a:pPr marL="0" indent="0">
+              <a:buNone/>
+            </a:pPr>
+            <a:r>
+              <a:rPr lang="en-US" sz="2000" dirty="0" smtClean="0">
+                <a:solidFill>
+                  <a:srgbClr val="FF0000"/>
+                </a:solidFill>
+              </a:rPr>
+              <a:t>Well, this is a little awkward!</a:t>
+            </a:r>
+            <a:endParaRPr lang="en-US" sz="2000" dirty="0">
+              <a:solidFill>
+                <a:srgbClr val="FF0000"/>
+              </a:solidFill>
+            </a:endParaRPr>
+          </a:p>
+        </p:txBody>
+      </p:sp>
+      <p:sp>
+        <p:nvSpPr>
+          <p:cNvPr id="6" name="TextBox 5"/>
+          <p:cNvSpPr txBox="1"/>
+          <p:nvPr/>
+        </p:nvSpPr>
+        <p:spPr>
+          <a:xfrm>
+            <a:off x="3536081" y="1060074"/>
+            <a:ext cx="5440968" cy="1600438"/>
+          </a:xfrm>
+          <a:prstGeom prst="rect">
+            <a:avLst/>
+          </a:prstGeom>
+          <a:noFill/>
+        </p:spPr>
+        <p:txBody>
+          <a:bodyPr wrap="square" rtlCol="0">
+            <a:spAutoFit/>
+          </a:bodyPr>
+          <a:lstStyle/>
+          <a:p>
+            <a:r>
+              <a:rPr lang="en-US" sz="1400" dirty="0" err="1" smtClean="0">
+                <a:latin typeface="Andale Mono"/>
+                <a:cs typeface="Andale Mono"/>
+              </a:rPr>
+              <a:t>var</a:t>
+            </a:r>
+            <a:r>
+              <a:rPr lang="en-US" sz="1400" dirty="0" smtClean="0">
+                <a:latin typeface="Andale Mono"/>
+                <a:cs typeface="Andale Mono"/>
+              </a:rPr>
+              <a:t> </a:t>
+            </a:r>
+            <a:r>
+              <a:rPr lang="en-US" sz="1400" dirty="0" err="1" smtClean="0">
+                <a:latin typeface="Andale Mono"/>
+                <a:cs typeface="Andale Mono"/>
+              </a:rPr>
+              <a:t>assertionsEnabled</a:t>
+            </a:r>
+            <a:r>
+              <a:rPr lang="en-US" sz="1400" dirty="0" smtClean="0">
+                <a:latin typeface="Andale Mono"/>
+                <a:cs typeface="Andale Mono"/>
+              </a:rPr>
+              <a:t> = true</a:t>
+            </a:r>
+          </a:p>
+          <a:p>
+            <a:endParaRPr lang="en-US" sz="1400" dirty="0">
+              <a:latin typeface="Andale Mono"/>
+              <a:cs typeface="Andale Mono"/>
+            </a:endParaRPr>
+          </a:p>
+          <a:p>
+            <a:r>
+              <a:rPr lang="en-US" sz="1400" dirty="0" err="1" smtClean="0">
+                <a:latin typeface="Andale Mono"/>
+                <a:cs typeface="Andale Mono"/>
+              </a:rPr>
+              <a:t>def</a:t>
+            </a:r>
+            <a:r>
+              <a:rPr lang="en-US" sz="1400" dirty="0" smtClean="0">
+                <a:latin typeface="Andale Mono"/>
+                <a:cs typeface="Andale Mono"/>
+              </a:rPr>
+              <a:t> </a:t>
+            </a:r>
+            <a:r>
+              <a:rPr lang="en-US" sz="1400" dirty="0" err="1" smtClean="0">
+                <a:latin typeface="Andale Mono"/>
+                <a:cs typeface="Andale Mono"/>
+              </a:rPr>
+              <a:t>myAssert</a:t>
+            </a:r>
+            <a:r>
+              <a:rPr lang="en-US" sz="1400" dirty="0" smtClean="0">
+                <a:latin typeface="Andale Mono"/>
+                <a:cs typeface="Andale Mono"/>
+              </a:rPr>
+              <a:t>(predicate: () =&gt; Boolean) =</a:t>
+            </a:r>
+          </a:p>
+          <a:p>
+            <a:r>
+              <a:rPr lang="en-US" sz="1400" dirty="0">
+                <a:latin typeface="Andale Mono"/>
+                <a:cs typeface="Andale Mono"/>
+              </a:rPr>
+              <a:t> </a:t>
+            </a:r>
+            <a:r>
+              <a:rPr lang="en-US" sz="1400" dirty="0" smtClean="0">
+                <a:latin typeface="Andale Mono"/>
+                <a:cs typeface="Andale Mono"/>
+              </a:rPr>
+              <a:t> if (</a:t>
+            </a:r>
+            <a:r>
+              <a:rPr lang="en-US" sz="1400" dirty="0" err="1" smtClean="0">
+                <a:latin typeface="Andale Mono"/>
+                <a:cs typeface="Andale Mono"/>
+              </a:rPr>
+              <a:t>assertionsEnabled</a:t>
+            </a:r>
+            <a:r>
+              <a:rPr lang="en-US" sz="1400" dirty="0" smtClean="0">
+                <a:latin typeface="Andale Mono"/>
+                <a:cs typeface="Andale Mono"/>
+              </a:rPr>
+              <a:t> &amp;&amp; !predicate())</a:t>
+            </a:r>
+          </a:p>
+          <a:p>
+            <a:r>
+              <a:rPr lang="en-US" sz="1400" dirty="0">
+                <a:latin typeface="Andale Mono"/>
+                <a:cs typeface="Andale Mono"/>
+              </a:rPr>
+              <a:t> </a:t>
+            </a:r>
+            <a:r>
+              <a:rPr lang="en-US" sz="1400" dirty="0" smtClean="0">
+                <a:latin typeface="Andale Mono"/>
+                <a:cs typeface="Andale Mono"/>
+              </a:rPr>
+              <a:t>   throw new </a:t>
+            </a:r>
+            <a:r>
+              <a:rPr lang="en-US" sz="1400" dirty="0" err="1" smtClean="0">
+                <a:latin typeface="Andale Mono"/>
+                <a:cs typeface="Andale Mono"/>
+              </a:rPr>
+              <a:t>AssertionError</a:t>
+            </a:r>
+            <a:endParaRPr lang="en-US" sz="1400" dirty="0" smtClean="0">
+              <a:latin typeface="Andale Mono"/>
+              <a:cs typeface="Andale Mono"/>
+            </a:endParaRPr>
+          </a:p>
+          <a:p>
+            <a:endParaRPr lang="en-US" sz="1400" dirty="0">
+              <a:latin typeface="Andale Mono"/>
+              <a:cs typeface="Andale Mono"/>
+            </a:endParaRPr>
+          </a:p>
+          <a:p>
+            <a:r>
+              <a:rPr lang="en-US" sz="1400" dirty="0" err="1" smtClean="0">
+                <a:solidFill>
+                  <a:srgbClr val="FF0000"/>
+                </a:solidFill>
+                <a:latin typeface="Andale Mono"/>
+                <a:cs typeface="Andale Mono"/>
+              </a:rPr>
+              <a:t>myAssert</a:t>
+            </a:r>
+            <a:r>
+              <a:rPr lang="en-US" sz="1400" dirty="0" smtClean="0">
+                <a:solidFill>
+                  <a:srgbClr val="FF0000"/>
+                </a:solidFill>
+                <a:latin typeface="Andale Mono"/>
+                <a:cs typeface="Andale Mono"/>
+              </a:rPr>
+              <a:t>(() =&gt; 5 &gt; 3)</a:t>
+            </a:r>
+            <a:endParaRPr lang="en-US" sz="1400" dirty="0">
+              <a:solidFill>
+                <a:srgbClr val="FF0000"/>
+              </a:solidFill>
+              <a:latin typeface="Andale Mono"/>
+              <a:cs typeface="Andale Mono"/>
+            </a:endParaRPr>
+          </a:p>
+        </p:txBody>
+      </p:sp>
+      <p:sp>
+        <p:nvSpPr>
+          <p:cNvPr id="5" name="TextBox 4"/>
+          <p:cNvSpPr txBox="1"/>
+          <p:nvPr/>
+        </p:nvSpPr>
+        <p:spPr>
+          <a:xfrm>
+            <a:off x="3536082" y="4467311"/>
+            <a:ext cx="5440968" cy="338554"/>
+          </a:xfrm>
+          <a:prstGeom prst="rect">
+            <a:avLst/>
+          </a:prstGeom>
+          <a:noFill/>
+        </p:spPr>
+        <p:txBody>
+          <a:bodyPr wrap="square" rtlCol="0">
+            <a:spAutoFit/>
+          </a:bodyPr>
+          <a:lstStyle/>
+          <a:p>
+            <a:pPr algn="r"/>
+            <a:r>
+              <a:rPr lang="en-US" sz="1600" dirty="0" err="1" smtClean="0"/>
+              <a:t>func</a:t>
+            </a:r>
+            <a:r>
+              <a:rPr lang="en-US" sz="1600" dirty="0" smtClean="0"/>
+              <a:t>-comp/</a:t>
+            </a:r>
+            <a:r>
+              <a:rPr lang="en-US" sz="1600" dirty="0" err="1" smtClean="0"/>
+              <a:t>src</a:t>
+            </a:r>
+            <a:r>
+              <a:rPr lang="en-US" sz="1600" dirty="0" smtClean="0"/>
+              <a:t>/main/</a:t>
+            </a:r>
+            <a:r>
+              <a:rPr lang="en-US" sz="1600" dirty="0" err="1" smtClean="0"/>
+              <a:t>scala</a:t>
+            </a:r>
+            <a:r>
+              <a:rPr lang="en-US" sz="1600" dirty="0" smtClean="0"/>
+              <a:t>/cs220/control/Control03.scala</a:t>
+            </a:r>
+            <a:endParaRPr lang="en-US" sz="1600" dirty="0"/>
+          </a:p>
+        </p:txBody>
+      </p:sp>
+    </p:spTree>
+    <p:extLst>
+      <p:ext uri="{BB962C8B-B14F-4D97-AF65-F5344CB8AC3E}">
+        <p14:creationId xmlns:p14="http://schemas.microsoft.com/office/powerpoint/2010/main" val="2226659997"/>
+      </p:ext>
+    </p:extLst>
+  </p:cSld>
+  <p:clrMapOvr>
+    <a:masterClrMapping/>
+  </p:clrMapOvr>
+</p:sld>
+</file>
+
+<file path=ppt/slides/slide37.xml><?xml version="1.0" encoding="utf-8"?>
+<p:sld xmlns:a="http://schemas.openxmlformats.org/drawingml/2006/main" xmlns:r="http://schemas.openxmlformats.org/officeDocument/2006/relationships" xmlns:p="http://schemas.openxmlformats.org/presentationml/2006/main">
+  <p:cSld>
+    <p:spTree>
+      <p:nvGrpSpPr>
+        <p:cNvPr id="1" name=""/>
+        <p:cNvGrpSpPr/>
+        <p:nvPr/>
+      </p:nvGrpSpPr>
+      <p:grpSpPr>
+        <a:xfrm>
+          <a:off x="0" y="0"/>
+          <a:ext cx="0" cy="0"/>
+          <a:chOff x="0" y="0"/>
+          <a:chExt cx="0" cy="0"/>
+        </a:xfrm>
+      </p:grpSpPr>
+      <p:sp>
+        <p:nvSpPr>
+          <p:cNvPr id="2" name="Title 1"/>
+          <p:cNvSpPr>
+            <a:spLocks noGrp="1"/>
+          </p:cNvSpPr>
+          <p:nvPr>
+            <p:ph type="title"/>
+          </p:nvPr>
+        </p:nvSpPr>
+        <p:spPr/>
+        <p:txBody>
+          <a:bodyPr/>
+          <a:lstStyle/>
+          <a:p>
+            <a:r>
+              <a:rPr lang="en-US" dirty="0" smtClean="0"/>
+              <a:t>Asserting Control</a:t>
+            </a:r>
+            <a:endParaRPr lang="en-US" dirty="0"/>
+          </a:p>
+        </p:txBody>
+      </p:sp>
+      <p:sp>
+        <p:nvSpPr>
+          <p:cNvPr id="3" name="Content Placeholder 2"/>
+          <p:cNvSpPr>
+            <a:spLocks noGrp="1"/>
+          </p:cNvSpPr>
+          <p:nvPr>
+            <p:ph idx="1"/>
+          </p:nvPr>
+        </p:nvSpPr>
+        <p:spPr>
+          <a:xfrm>
+            <a:off x="197058" y="1060074"/>
+            <a:ext cx="3240496" cy="3754670"/>
+          </a:xfrm>
+          <a:ln>
+            <a:solidFill>
+              <a:schemeClr val="tx1"/>
+            </a:solidFill>
+            <a:prstDash val="sysDash"/>
+          </a:ln>
+        </p:spPr>
+        <p:txBody>
+          <a:bodyPr>
+            <a:normAutofit/>
+          </a:bodyPr>
+          <a:lstStyle/>
+          <a:p>
+            <a:pPr marL="0" indent="0">
+              <a:buNone/>
+            </a:pPr>
+            <a:r>
+              <a:rPr lang="en-US" sz="2000" dirty="0" smtClean="0"/>
+              <a:t>What if we wanted to implement an </a:t>
+            </a:r>
+            <a:r>
+              <a:rPr lang="en-US" sz="2000" i="1" dirty="0" smtClean="0"/>
+              <a:t>assert</a:t>
+            </a:r>
+            <a:r>
+              <a:rPr lang="en-US" sz="2000" dirty="0" smtClean="0"/>
+              <a:t> statement that only executes its argument if assertions are enabled?</a:t>
+            </a:r>
+          </a:p>
+          <a:p>
+            <a:pPr marL="0" indent="0">
+              <a:buNone/>
+            </a:pPr>
+            <a:endParaRPr lang="en-US" sz="2000" dirty="0">
+              <a:solidFill>
+                <a:srgbClr val="FF0000"/>
+              </a:solidFill>
+            </a:endParaRPr>
+          </a:p>
+          <a:p>
+            <a:pPr marL="0" indent="0">
+              <a:buNone/>
+            </a:pPr>
+            <a:r>
+              <a:rPr lang="en-US" sz="2000" dirty="0" smtClean="0">
+                <a:solidFill>
+                  <a:srgbClr val="FF0000"/>
+                </a:solidFill>
+              </a:rPr>
+              <a:t>Well, this is a little awkward!</a:t>
+            </a:r>
+          </a:p>
+          <a:p>
+            <a:pPr marL="0" indent="0">
+              <a:buNone/>
+            </a:pPr>
+            <a:endParaRPr lang="en-US" sz="2000" dirty="0">
+              <a:solidFill>
+                <a:srgbClr val="FF0000"/>
+              </a:solidFill>
+            </a:endParaRPr>
+          </a:p>
+          <a:p>
+            <a:pPr marL="0" indent="0">
+              <a:buNone/>
+            </a:pPr>
+            <a:r>
+              <a:rPr lang="en-US" sz="2000" dirty="0" smtClean="0">
+                <a:solidFill>
+                  <a:srgbClr val="FF0000"/>
+                </a:solidFill>
+              </a:rPr>
+              <a:t>Can we do this?</a:t>
+            </a:r>
+            <a:endParaRPr lang="en-US" sz="2000" dirty="0">
+              <a:solidFill>
+                <a:srgbClr val="FF0000"/>
+              </a:solidFill>
+            </a:endParaRPr>
+          </a:p>
+        </p:txBody>
+      </p:sp>
+      <p:sp>
+        <p:nvSpPr>
+          <p:cNvPr id="6" name="TextBox 5"/>
+          <p:cNvSpPr txBox="1"/>
+          <p:nvPr/>
+        </p:nvSpPr>
+        <p:spPr>
+          <a:xfrm>
+            <a:off x="3536081" y="1060074"/>
+            <a:ext cx="5440968" cy="2031325"/>
+          </a:xfrm>
+          <a:prstGeom prst="rect">
+            <a:avLst/>
+          </a:prstGeom>
+          <a:noFill/>
+        </p:spPr>
+        <p:txBody>
+          <a:bodyPr wrap="square" rtlCol="0">
+            <a:spAutoFit/>
+          </a:bodyPr>
+          <a:lstStyle/>
+          <a:p>
+            <a:r>
+              <a:rPr lang="en-US" sz="1400" dirty="0" err="1" smtClean="0">
+                <a:latin typeface="Andale Mono"/>
+                <a:cs typeface="Andale Mono"/>
+              </a:rPr>
+              <a:t>var</a:t>
+            </a:r>
+            <a:r>
+              <a:rPr lang="en-US" sz="1400" dirty="0" smtClean="0">
+                <a:latin typeface="Andale Mono"/>
+                <a:cs typeface="Andale Mono"/>
+              </a:rPr>
+              <a:t> </a:t>
+            </a:r>
+            <a:r>
+              <a:rPr lang="en-US" sz="1400" dirty="0" err="1" smtClean="0">
+                <a:latin typeface="Andale Mono"/>
+                <a:cs typeface="Andale Mono"/>
+              </a:rPr>
+              <a:t>assertionsEnabled</a:t>
+            </a:r>
+            <a:r>
+              <a:rPr lang="en-US" sz="1400" dirty="0" smtClean="0">
+                <a:latin typeface="Andale Mono"/>
+                <a:cs typeface="Andale Mono"/>
+              </a:rPr>
+              <a:t> = true</a:t>
+            </a:r>
+          </a:p>
+          <a:p>
+            <a:endParaRPr lang="en-US" sz="1400" dirty="0">
+              <a:latin typeface="Andale Mono"/>
+              <a:cs typeface="Andale Mono"/>
+            </a:endParaRPr>
+          </a:p>
+          <a:p>
+            <a:r>
+              <a:rPr lang="en-US" sz="1400" dirty="0" err="1" smtClean="0">
+                <a:latin typeface="Andale Mono"/>
+                <a:cs typeface="Andale Mono"/>
+              </a:rPr>
+              <a:t>def</a:t>
+            </a:r>
+            <a:r>
+              <a:rPr lang="en-US" sz="1400" dirty="0" smtClean="0">
+                <a:latin typeface="Andale Mono"/>
+                <a:cs typeface="Andale Mono"/>
+              </a:rPr>
+              <a:t> </a:t>
+            </a:r>
+            <a:r>
+              <a:rPr lang="en-US" sz="1400" dirty="0" err="1" smtClean="0">
+                <a:latin typeface="Andale Mono"/>
+                <a:cs typeface="Andale Mono"/>
+              </a:rPr>
+              <a:t>myAssert</a:t>
+            </a:r>
+            <a:r>
+              <a:rPr lang="en-US" sz="1400" dirty="0" smtClean="0">
+                <a:latin typeface="Andale Mono"/>
+                <a:cs typeface="Andale Mono"/>
+              </a:rPr>
+              <a:t>(predicate: () =&gt; Boolean) =</a:t>
+            </a:r>
+          </a:p>
+          <a:p>
+            <a:r>
+              <a:rPr lang="en-US" sz="1400" dirty="0">
+                <a:latin typeface="Andale Mono"/>
+                <a:cs typeface="Andale Mono"/>
+              </a:rPr>
+              <a:t> </a:t>
+            </a:r>
+            <a:r>
+              <a:rPr lang="en-US" sz="1400" dirty="0" smtClean="0">
+                <a:latin typeface="Andale Mono"/>
+                <a:cs typeface="Andale Mono"/>
+              </a:rPr>
+              <a:t> if (</a:t>
+            </a:r>
+            <a:r>
+              <a:rPr lang="en-US" sz="1400" dirty="0" err="1" smtClean="0">
+                <a:latin typeface="Andale Mono"/>
+                <a:cs typeface="Andale Mono"/>
+              </a:rPr>
+              <a:t>assertionsEnabled</a:t>
+            </a:r>
+            <a:r>
+              <a:rPr lang="en-US" sz="1400" dirty="0" smtClean="0">
+                <a:latin typeface="Andale Mono"/>
+                <a:cs typeface="Andale Mono"/>
+              </a:rPr>
+              <a:t> &amp;&amp; !predicate())</a:t>
+            </a:r>
+          </a:p>
+          <a:p>
+            <a:r>
+              <a:rPr lang="en-US" sz="1400" dirty="0">
+                <a:latin typeface="Andale Mono"/>
+                <a:cs typeface="Andale Mono"/>
+              </a:rPr>
+              <a:t> </a:t>
+            </a:r>
+            <a:r>
+              <a:rPr lang="en-US" sz="1400" dirty="0" smtClean="0">
+                <a:latin typeface="Andale Mono"/>
+                <a:cs typeface="Andale Mono"/>
+              </a:rPr>
+              <a:t>   throw new </a:t>
+            </a:r>
+            <a:r>
+              <a:rPr lang="en-US" sz="1400" dirty="0" err="1" smtClean="0">
+                <a:latin typeface="Andale Mono"/>
+                <a:cs typeface="Andale Mono"/>
+              </a:rPr>
+              <a:t>AssertionError</a:t>
+            </a:r>
+            <a:endParaRPr lang="en-US" sz="1400" dirty="0" smtClean="0">
+              <a:latin typeface="Andale Mono"/>
+              <a:cs typeface="Andale Mono"/>
+            </a:endParaRPr>
+          </a:p>
+          <a:p>
+            <a:endParaRPr lang="en-US" sz="1400" dirty="0">
+              <a:latin typeface="Andale Mono"/>
+              <a:cs typeface="Andale Mono"/>
+            </a:endParaRPr>
+          </a:p>
+          <a:p>
+            <a:r>
+              <a:rPr lang="en-US" sz="1400" dirty="0" err="1" smtClean="0">
+                <a:solidFill>
+                  <a:srgbClr val="FF0000"/>
+                </a:solidFill>
+                <a:latin typeface="Andale Mono"/>
+                <a:cs typeface="Andale Mono"/>
+              </a:rPr>
+              <a:t>myAssert</a:t>
+            </a:r>
+            <a:r>
+              <a:rPr lang="en-US" sz="1400" dirty="0" smtClean="0">
+                <a:solidFill>
+                  <a:srgbClr val="FF0000"/>
+                </a:solidFill>
+                <a:latin typeface="Andale Mono"/>
+                <a:cs typeface="Andale Mono"/>
+              </a:rPr>
+              <a:t>(() =&gt; 5 &gt; 3)</a:t>
+            </a:r>
+          </a:p>
+          <a:p>
+            <a:endParaRPr lang="en-US" sz="1400" dirty="0">
+              <a:solidFill>
+                <a:srgbClr val="FF0000"/>
+              </a:solidFill>
+              <a:latin typeface="Andale Mono"/>
+              <a:cs typeface="Andale Mono"/>
+            </a:endParaRPr>
+          </a:p>
+          <a:p>
+            <a:r>
+              <a:rPr lang="en-US" sz="1400" dirty="0" err="1" smtClean="0">
+                <a:solidFill>
+                  <a:srgbClr val="FF0000"/>
+                </a:solidFill>
+                <a:latin typeface="Andale Mono"/>
+                <a:cs typeface="Andale Mono"/>
+              </a:rPr>
+              <a:t>myAssert</a:t>
+            </a:r>
+            <a:r>
+              <a:rPr lang="en-US" sz="1400" dirty="0" smtClean="0">
+                <a:solidFill>
+                  <a:srgbClr val="FF0000"/>
+                </a:solidFill>
+                <a:latin typeface="Andale Mono"/>
+                <a:cs typeface="Andale Mono"/>
+              </a:rPr>
+              <a:t>(5 &gt; 3)</a:t>
+            </a:r>
+            <a:endParaRPr lang="en-US" sz="1400" dirty="0">
+              <a:solidFill>
+                <a:srgbClr val="FF0000"/>
+              </a:solidFill>
+              <a:latin typeface="Andale Mono"/>
+              <a:cs typeface="Andale Mono"/>
+            </a:endParaRPr>
+          </a:p>
+        </p:txBody>
+      </p:sp>
+      <p:sp>
+        <p:nvSpPr>
+          <p:cNvPr id="5" name="TextBox 4"/>
+          <p:cNvSpPr txBox="1"/>
+          <p:nvPr/>
+        </p:nvSpPr>
+        <p:spPr>
+          <a:xfrm>
+            <a:off x="3536082" y="4467311"/>
+            <a:ext cx="5440968" cy="338554"/>
+          </a:xfrm>
+          <a:prstGeom prst="rect">
+            <a:avLst/>
+          </a:prstGeom>
+          <a:noFill/>
+        </p:spPr>
+        <p:txBody>
+          <a:bodyPr wrap="square" rtlCol="0">
+            <a:spAutoFit/>
+          </a:bodyPr>
+          <a:lstStyle/>
+          <a:p>
+            <a:pPr algn="r"/>
+            <a:r>
+              <a:rPr lang="en-US" sz="1600" dirty="0" err="1" smtClean="0"/>
+              <a:t>func</a:t>
+            </a:r>
+            <a:r>
+              <a:rPr lang="en-US" sz="1600" dirty="0" smtClean="0"/>
+              <a:t>-comp/</a:t>
+            </a:r>
+            <a:r>
+              <a:rPr lang="en-US" sz="1600" dirty="0" err="1" smtClean="0"/>
+              <a:t>src</a:t>
+            </a:r>
+            <a:r>
+              <a:rPr lang="en-US" sz="1600" dirty="0" smtClean="0"/>
+              <a:t>/main/</a:t>
+            </a:r>
+            <a:r>
+              <a:rPr lang="en-US" sz="1600" dirty="0" err="1" smtClean="0"/>
+              <a:t>scala</a:t>
+            </a:r>
+            <a:r>
+              <a:rPr lang="en-US" sz="1600" dirty="0" smtClean="0"/>
+              <a:t>/cs220/control/Control04.scala</a:t>
+            </a:r>
+            <a:endParaRPr lang="en-US" sz="1600" dirty="0"/>
+          </a:p>
+        </p:txBody>
+      </p:sp>
+    </p:spTree>
+    <p:extLst>
+      <p:ext uri="{BB962C8B-B14F-4D97-AF65-F5344CB8AC3E}">
+        <p14:creationId xmlns:p14="http://schemas.microsoft.com/office/powerpoint/2010/main" val="1704111577"/>
+      </p:ext>
+    </p:extLst>
+  </p:cSld>
+  <p:clrMapOvr>
+    <a:masterClrMapping/>
+  </p:clrMapOvr>
+</p:sld>
+</file>
+
+<file path=ppt/slides/slide38.xml><?xml version="1.0" encoding="utf-8"?>
+<p:sld xmlns:a="http://schemas.openxmlformats.org/drawingml/2006/main" xmlns:r="http://schemas.openxmlformats.org/officeDocument/2006/relationships" xmlns:p="http://schemas.openxmlformats.org/presentationml/2006/main">
+  <p:cSld>
+    <p:spTree>
+      <p:nvGrpSpPr>
+        <p:cNvPr id="1" name=""/>
+        <p:cNvGrpSpPr/>
+        <p:nvPr/>
+      </p:nvGrpSpPr>
+      <p:grpSpPr>
+        <a:xfrm>
+          <a:off x="0" y="0"/>
+          <a:ext cx="0" cy="0"/>
+          <a:chOff x="0" y="0"/>
+          <a:chExt cx="0" cy="0"/>
+        </a:xfrm>
+      </p:grpSpPr>
+      <p:sp>
+        <p:nvSpPr>
+          <p:cNvPr id="2" name="Title 1"/>
+          <p:cNvSpPr>
+            <a:spLocks noGrp="1"/>
+          </p:cNvSpPr>
+          <p:nvPr>
+            <p:ph type="title"/>
+          </p:nvPr>
+        </p:nvSpPr>
+        <p:spPr/>
+        <p:txBody>
+          <a:bodyPr/>
+          <a:lstStyle/>
+          <a:p>
+            <a:r>
+              <a:rPr lang="en-US" dirty="0" smtClean="0"/>
+              <a:t>Asserting Control</a:t>
+            </a:r>
+            <a:endParaRPr lang="en-US" dirty="0"/>
+          </a:p>
+        </p:txBody>
+      </p:sp>
+      <p:sp>
+        <p:nvSpPr>
+          <p:cNvPr id="3" name="Content Placeholder 2"/>
+          <p:cNvSpPr>
+            <a:spLocks noGrp="1"/>
+          </p:cNvSpPr>
+          <p:nvPr>
+            <p:ph idx="1"/>
+          </p:nvPr>
+        </p:nvSpPr>
+        <p:spPr>
+          <a:xfrm>
+            <a:off x="197058" y="1060074"/>
+            <a:ext cx="3240496" cy="3754670"/>
+          </a:xfrm>
+          <a:ln>
+            <a:solidFill>
+              <a:schemeClr val="tx1"/>
+            </a:solidFill>
+            <a:prstDash val="sysDash"/>
+          </a:ln>
+        </p:spPr>
+        <p:txBody>
+          <a:bodyPr>
+            <a:normAutofit/>
+          </a:bodyPr>
+          <a:lstStyle/>
+          <a:p>
+            <a:pPr marL="0" indent="0">
+              <a:buNone/>
+            </a:pPr>
+            <a:r>
+              <a:rPr lang="en-US" sz="2000" dirty="0" smtClean="0"/>
+              <a:t>Ok, this is cool – but, how can I create a control abstraction that looks like a built-in </a:t>
+            </a:r>
+            <a:r>
+              <a:rPr lang="en-US" sz="2000" b="1" dirty="0" smtClean="0"/>
+              <a:t>if statement</a:t>
+            </a:r>
+            <a:r>
+              <a:rPr lang="en-US" sz="2000" dirty="0" smtClean="0"/>
+              <a:t>?</a:t>
+            </a:r>
+            <a:endParaRPr lang="en-US" sz="2000" dirty="0" smtClean="0">
+              <a:solidFill>
+                <a:srgbClr val="FF0000"/>
+              </a:solidFill>
+            </a:endParaRPr>
+          </a:p>
+          <a:p>
+            <a:pPr marL="0" indent="0">
+              <a:buNone/>
+            </a:pPr>
+            <a:endParaRPr lang="en-US" sz="2000" dirty="0" smtClean="0"/>
+          </a:p>
+        </p:txBody>
+      </p:sp>
+      <p:sp>
+        <p:nvSpPr>
+          <p:cNvPr id="6" name="TextBox 5"/>
+          <p:cNvSpPr txBox="1"/>
+          <p:nvPr/>
+        </p:nvSpPr>
+        <p:spPr>
+          <a:xfrm>
+            <a:off x="3536081" y="1060074"/>
+            <a:ext cx="5440968" cy="2031325"/>
+          </a:xfrm>
+          <a:prstGeom prst="rect">
+            <a:avLst/>
+          </a:prstGeom>
+          <a:noFill/>
+        </p:spPr>
+        <p:txBody>
+          <a:bodyPr wrap="square" rtlCol="0">
+            <a:spAutoFit/>
+          </a:bodyPr>
+          <a:lstStyle/>
+          <a:p>
+            <a:r>
+              <a:rPr lang="en-US" sz="1400" dirty="0" err="1" smtClean="0">
+                <a:latin typeface="Andale Mono"/>
+                <a:cs typeface="Andale Mono"/>
+              </a:rPr>
+              <a:t>var</a:t>
+            </a:r>
+            <a:r>
+              <a:rPr lang="en-US" sz="1400" dirty="0" smtClean="0">
+                <a:latin typeface="Andale Mono"/>
+                <a:cs typeface="Andale Mono"/>
+              </a:rPr>
+              <a:t> </a:t>
+            </a:r>
+            <a:r>
+              <a:rPr lang="en-US" sz="1400" dirty="0" err="1" smtClean="0">
+                <a:latin typeface="Andale Mono"/>
+                <a:cs typeface="Andale Mono"/>
+              </a:rPr>
+              <a:t>assertionsEnabled</a:t>
+            </a:r>
+            <a:r>
+              <a:rPr lang="en-US" sz="1400" dirty="0" smtClean="0">
+                <a:latin typeface="Andale Mono"/>
+                <a:cs typeface="Andale Mono"/>
+              </a:rPr>
+              <a:t> = true</a:t>
+            </a:r>
+          </a:p>
+          <a:p>
+            <a:endParaRPr lang="en-US" sz="1400" dirty="0">
+              <a:latin typeface="Andale Mono"/>
+              <a:cs typeface="Andale Mono"/>
+            </a:endParaRPr>
+          </a:p>
+          <a:p>
+            <a:r>
+              <a:rPr lang="en-US" sz="1400" dirty="0" err="1" smtClean="0">
+                <a:latin typeface="Andale Mono"/>
+                <a:cs typeface="Andale Mono"/>
+              </a:rPr>
+              <a:t>def</a:t>
+            </a:r>
+            <a:r>
+              <a:rPr lang="en-US" sz="1400" dirty="0" smtClean="0">
+                <a:latin typeface="Andale Mono"/>
+                <a:cs typeface="Andale Mono"/>
+              </a:rPr>
+              <a:t> </a:t>
+            </a:r>
+            <a:r>
+              <a:rPr lang="en-US" sz="1400" dirty="0" err="1" smtClean="0">
+                <a:latin typeface="Andale Mono"/>
+                <a:cs typeface="Andale Mono"/>
+              </a:rPr>
+              <a:t>myAssert</a:t>
+            </a:r>
+            <a:r>
+              <a:rPr lang="en-US" sz="1400" dirty="0" smtClean="0">
+                <a:latin typeface="Andale Mono"/>
+                <a:cs typeface="Andale Mono"/>
+              </a:rPr>
+              <a:t>(predicate: =&gt; Boolean) =</a:t>
+            </a:r>
+          </a:p>
+          <a:p>
+            <a:r>
+              <a:rPr lang="en-US" sz="1400" dirty="0">
+                <a:latin typeface="Andale Mono"/>
+                <a:cs typeface="Andale Mono"/>
+              </a:rPr>
+              <a:t> </a:t>
+            </a:r>
+            <a:r>
+              <a:rPr lang="en-US" sz="1400" dirty="0" smtClean="0">
+                <a:latin typeface="Andale Mono"/>
+                <a:cs typeface="Andale Mono"/>
+              </a:rPr>
+              <a:t> if (</a:t>
+            </a:r>
+            <a:r>
+              <a:rPr lang="en-US" sz="1400" dirty="0" err="1" smtClean="0">
+                <a:latin typeface="Andale Mono"/>
+                <a:cs typeface="Andale Mono"/>
+              </a:rPr>
+              <a:t>assertionsEnabled</a:t>
+            </a:r>
+            <a:r>
+              <a:rPr lang="en-US" sz="1400" dirty="0" smtClean="0">
+                <a:latin typeface="Andale Mono"/>
+                <a:cs typeface="Andale Mono"/>
+              </a:rPr>
+              <a:t> &amp;&amp; !predicate())</a:t>
+            </a:r>
+          </a:p>
+          <a:p>
+            <a:r>
+              <a:rPr lang="en-US" sz="1400" dirty="0">
+                <a:latin typeface="Andale Mono"/>
+                <a:cs typeface="Andale Mono"/>
+              </a:rPr>
+              <a:t> </a:t>
+            </a:r>
+            <a:r>
+              <a:rPr lang="en-US" sz="1400" dirty="0" smtClean="0">
+                <a:latin typeface="Andale Mono"/>
+                <a:cs typeface="Andale Mono"/>
+              </a:rPr>
+              <a:t>   throw new </a:t>
+            </a:r>
+            <a:r>
+              <a:rPr lang="en-US" sz="1400" dirty="0" err="1" smtClean="0">
+                <a:latin typeface="Andale Mono"/>
+                <a:cs typeface="Andale Mono"/>
+              </a:rPr>
+              <a:t>AssertionError</a:t>
+            </a:r>
+            <a:endParaRPr lang="en-US" sz="1400" dirty="0" smtClean="0">
+              <a:latin typeface="Andale Mono"/>
+              <a:cs typeface="Andale Mono"/>
+            </a:endParaRPr>
+          </a:p>
+          <a:p>
+            <a:endParaRPr lang="en-US" sz="1400" dirty="0">
+              <a:solidFill>
+                <a:srgbClr val="FF0000"/>
+              </a:solidFill>
+              <a:latin typeface="Andale Mono"/>
+              <a:cs typeface="Andale Mono"/>
+            </a:endParaRPr>
+          </a:p>
+          <a:p>
+            <a:r>
+              <a:rPr lang="en-US" sz="1400" dirty="0" err="1" smtClean="0">
+                <a:solidFill>
+                  <a:srgbClr val="FF0000"/>
+                </a:solidFill>
+                <a:latin typeface="Andale Mono"/>
+                <a:cs typeface="Andale Mono"/>
+              </a:rPr>
+              <a:t>myAssert</a:t>
+            </a:r>
+            <a:r>
+              <a:rPr lang="en-US" sz="1400" dirty="0">
+                <a:solidFill>
+                  <a:srgbClr val="FF0000"/>
+                </a:solidFill>
+                <a:latin typeface="Andale Mono"/>
+                <a:cs typeface="Andale Mono"/>
+              </a:rPr>
+              <a:t> </a:t>
+            </a:r>
+            <a:r>
+              <a:rPr lang="en-US" sz="1400" dirty="0" smtClean="0">
+                <a:solidFill>
+                  <a:srgbClr val="FF0000"/>
+                </a:solidFill>
+                <a:latin typeface="Andale Mono"/>
+                <a:cs typeface="Andale Mono"/>
+              </a:rPr>
+              <a:t>{ </a:t>
+            </a:r>
+          </a:p>
+          <a:p>
+            <a:r>
+              <a:rPr lang="en-US" sz="1400" dirty="0">
+                <a:solidFill>
+                  <a:srgbClr val="FF0000"/>
+                </a:solidFill>
+                <a:latin typeface="Andale Mono"/>
+                <a:cs typeface="Andale Mono"/>
+              </a:rPr>
+              <a:t> </a:t>
+            </a:r>
+            <a:r>
+              <a:rPr lang="en-US" sz="1400" dirty="0" smtClean="0">
+                <a:solidFill>
+                  <a:srgbClr val="FF0000"/>
+                </a:solidFill>
+                <a:latin typeface="Andale Mono"/>
+                <a:cs typeface="Andale Mono"/>
+              </a:rPr>
+              <a:t> 5 &gt; 3 </a:t>
+            </a:r>
+          </a:p>
+          <a:p>
+            <a:r>
+              <a:rPr lang="en-US" sz="1400" dirty="0" smtClean="0">
+                <a:solidFill>
+                  <a:srgbClr val="FF0000"/>
+                </a:solidFill>
+                <a:latin typeface="Andale Mono"/>
+                <a:cs typeface="Andale Mono"/>
+              </a:rPr>
+              <a:t>}</a:t>
+            </a:r>
+            <a:endParaRPr lang="en-US" sz="1400" dirty="0">
+              <a:solidFill>
+                <a:srgbClr val="FF0000"/>
+              </a:solidFill>
+              <a:latin typeface="Andale Mono"/>
+              <a:cs typeface="Andale Mono"/>
+            </a:endParaRPr>
+          </a:p>
+        </p:txBody>
+      </p:sp>
+      <p:sp>
+        <p:nvSpPr>
+          <p:cNvPr id="5" name="TextBox 4"/>
+          <p:cNvSpPr txBox="1"/>
+          <p:nvPr/>
+        </p:nvSpPr>
+        <p:spPr>
+          <a:xfrm>
+            <a:off x="3536082" y="4467311"/>
+            <a:ext cx="5440968" cy="338554"/>
+          </a:xfrm>
+          <a:prstGeom prst="rect">
+            <a:avLst/>
+          </a:prstGeom>
+          <a:noFill/>
+        </p:spPr>
+        <p:txBody>
+          <a:bodyPr wrap="square" rtlCol="0">
+            <a:spAutoFit/>
+          </a:bodyPr>
+          <a:lstStyle/>
+          <a:p>
+            <a:pPr algn="r"/>
+            <a:r>
+              <a:rPr lang="en-US" sz="1600" dirty="0" err="1" smtClean="0"/>
+              <a:t>func</a:t>
+            </a:r>
+            <a:r>
+              <a:rPr lang="en-US" sz="1600" dirty="0" smtClean="0"/>
+              <a:t>-comp/</a:t>
+            </a:r>
+            <a:r>
+              <a:rPr lang="en-US" sz="1600" dirty="0" err="1" smtClean="0"/>
+              <a:t>src</a:t>
+            </a:r>
+            <a:r>
+              <a:rPr lang="en-US" sz="1600" dirty="0" smtClean="0"/>
+              <a:t>/main/</a:t>
+            </a:r>
+            <a:r>
+              <a:rPr lang="en-US" sz="1600" dirty="0" err="1" smtClean="0"/>
+              <a:t>scala</a:t>
+            </a:r>
+            <a:r>
+              <a:rPr lang="en-US" sz="1600" dirty="0" smtClean="0"/>
+              <a:t>/cs220/control/Control04.scala</a:t>
+            </a:r>
+            <a:endParaRPr lang="en-US" sz="1600" dirty="0"/>
+          </a:p>
+        </p:txBody>
+      </p:sp>
+    </p:spTree>
+    <p:extLst>
+      <p:ext uri="{BB962C8B-B14F-4D97-AF65-F5344CB8AC3E}">
+        <p14:creationId xmlns:p14="http://schemas.microsoft.com/office/powerpoint/2010/main" val="3070115707"/>
+      </p:ext>
+    </p:extLst>
+  </p:cSld>
+  <p:clrMapOvr>
+    <a:masterClrMapping/>
+  </p:clrMapOvr>
+</p:sld>
+</file>
+
+<file path=ppt/slides/slide39.xml><?xml version="1.0" encoding="utf-8"?>
+<p:sld xmlns:a="http://schemas.openxmlformats.org/drawingml/2006/main" xmlns:r="http://schemas.openxmlformats.org/officeDocument/2006/relationships" xmlns:p="http://schemas.openxmlformats.org/presentationml/2006/main">
+  <p:cSld>
+    <p:spTree>
+      <p:nvGrpSpPr>
+        <p:cNvPr id="1" name=""/>
+        <p:cNvGrpSpPr/>
+        <p:nvPr/>
+      </p:nvGrpSpPr>
+      <p:grpSpPr>
+        <a:xfrm>
+          <a:off x="0" y="0"/>
+          <a:ext cx="0" cy="0"/>
+          <a:chOff x="0" y="0"/>
+          <a:chExt cx="0" cy="0"/>
+        </a:xfrm>
+      </p:grpSpPr>
+      <p:sp>
+        <p:nvSpPr>
+          <p:cNvPr id="2" name="Title 1"/>
+          <p:cNvSpPr>
+            <a:spLocks noGrp="1"/>
+          </p:cNvSpPr>
+          <p:nvPr>
+            <p:ph type="title"/>
+          </p:nvPr>
+        </p:nvSpPr>
+        <p:spPr/>
+        <p:txBody>
+          <a:bodyPr/>
+          <a:lstStyle/>
+          <a:p>
+            <a:r>
+              <a:rPr lang="en-US" dirty="0" smtClean="0"/>
+              <a:t>Asserting Control</a:t>
+            </a:r>
+            <a:endParaRPr lang="en-US" dirty="0"/>
+          </a:p>
+        </p:txBody>
+      </p:sp>
+      <p:sp>
+        <p:nvSpPr>
+          <p:cNvPr id="3" name="Content Placeholder 2"/>
+          <p:cNvSpPr>
+            <a:spLocks noGrp="1"/>
+          </p:cNvSpPr>
+          <p:nvPr>
+            <p:ph idx="1"/>
+          </p:nvPr>
+        </p:nvSpPr>
+        <p:spPr>
+          <a:xfrm>
+            <a:off x="197058" y="1060074"/>
+            <a:ext cx="3240496" cy="3754670"/>
+          </a:xfrm>
+          <a:ln>
+            <a:solidFill>
+              <a:schemeClr val="tx1"/>
+            </a:solidFill>
+            <a:prstDash val="sysDash"/>
+          </a:ln>
+        </p:spPr>
+        <p:txBody>
+          <a:bodyPr>
+            <a:normAutofit/>
+          </a:bodyPr>
+          <a:lstStyle/>
+          <a:p>
+            <a:pPr marL="0" indent="0">
+              <a:buNone/>
+            </a:pPr>
+            <a:r>
+              <a:rPr lang="en-US" sz="2000" dirty="0" smtClean="0"/>
+              <a:t>Ok, this is cool – but, how can I create a control abstraction that looks like a built-in </a:t>
+            </a:r>
+            <a:r>
+              <a:rPr lang="en-US" sz="2000" b="1" dirty="0" smtClean="0"/>
+              <a:t>if statement</a:t>
+            </a:r>
+            <a:r>
+              <a:rPr lang="en-US" sz="2000" dirty="0" smtClean="0"/>
+              <a:t>?</a:t>
+            </a:r>
+            <a:endParaRPr lang="en-US" sz="2000" dirty="0" smtClean="0">
+              <a:solidFill>
+                <a:srgbClr val="FF0000"/>
+              </a:solidFill>
+            </a:endParaRPr>
+          </a:p>
+          <a:p>
+            <a:pPr marL="0" indent="0">
+              <a:buNone/>
+            </a:pPr>
+            <a:endParaRPr lang="en-US" sz="2000" dirty="0" smtClean="0">
+              <a:solidFill>
+                <a:srgbClr val="FF0000"/>
+              </a:solidFill>
+            </a:endParaRPr>
+          </a:p>
+          <a:p>
+            <a:pPr marL="0" indent="0">
+              <a:buNone/>
+            </a:pPr>
+            <a:r>
+              <a:rPr lang="en-US" sz="2000" dirty="0" smtClean="0">
+                <a:solidFill>
+                  <a:srgbClr val="FF0000"/>
+                </a:solidFill>
+              </a:rPr>
+              <a:t>Imagine, we want to have something like this</a:t>
+            </a:r>
+            <a:endParaRPr lang="en-US" sz="2000" dirty="0">
+              <a:solidFill>
+                <a:srgbClr val="FF0000"/>
+              </a:solidFill>
+            </a:endParaRPr>
+          </a:p>
+          <a:p>
+            <a:pPr marL="0" indent="0">
+              <a:buNone/>
+            </a:pPr>
+            <a:endParaRPr lang="en-US" sz="2000" dirty="0" smtClean="0"/>
+          </a:p>
+        </p:txBody>
+      </p:sp>
+      <p:sp>
+        <p:nvSpPr>
+          <p:cNvPr id="6" name="TextBox 5"/>
+          <p:cNvSpPr txBox="1"/>
+          <p:nvPr/>
+        </p:nvSpPr>
+        <p:spPr>
+          <a:xfrm>
+            <a:off x="4127253" y="1060074"/>
+            <a:ext cx="4849796" cy="1169551"/>
+          </a:xfrm>
+          <a:prstGeom prst="rect">
+            <a:avLst/>
+          </a:prstGeom>
+          <a:noFill/>
+        </p:spPr>
+        <p:txBody>
+          <a:bodyPr wrap="square" rtlCol="0">
+            <a:spAutoFit/>
+          </a:bodyPr>
+          <a:lstStyle/>
+          <a:p>
+            <a:endParaRPr lang="en-US" sz="1400" dirty="0" smtClean="0">
+              <a:solidFill>
+                <a:srgbClr val="FF0000"/>
+              </a:solidFill>
+              <a:latin typeface="Andale Mono"/>
+              <a:cs typeface="Andale Mono"/>
+            </a:endParaRPr>
+          </a:p>
+          <a:p>
+            <a:endParaRPr lang="en-US" sz="1400" dirty="0">
+              <a:solidFill>
+                <a:srgbClr val="FF0000"/>
+              </a:solidFill>
+              <a:latin typeface="Andale Mono"/>
+              <a:cs typeface="Andale Mono"/>
+            </a:endParaRPr>
+          </a:p>
+          <a:p>
+            <a:r>
+              <a:rPr lang="en-US" sz="1400" dirty="0" smtClean="0">
+                <a:solidFill>
+                  <a:srgbClr val="FF0000"/>
+                </a:solidFill>
+                <a:latin typeface="Andale Mono"/>
+                <a:cs typeface="Andale Mono"/>
+              </a:rPr>
+              <a:t>unless(5 &gt; 4) {</a:t>
+            </a:r>
+          </a:p>
+          <a:p>
+            <a:r>
+              <a:rPr lang="en-US" sz="1400" dirty="0" smtClean="0">
+                <a:solidFill>
+                  <a:srgbClr val="FF0000"/>
+                </a:solidFill>
+                <a:latin typeface="Andale Mono"/>
+                <a:cs typeface="Andale Mono"/>
+              </a:rPr>
+              <a:t>  </a:t>
+            </a:r>
+            <a:r>
+              <a:rPr lang="en-US" sz="1400" dirty="0" err="1" smtClean="0">
+                <a:solidFill>
+                  <a:srgbClr val="FF0000"/>
+                </a:solidFill>
+                <a:latin typeface="Andale Mono"/>
+                <a:cs typeface="Andale Mono"/>
+              </a:rPr>
+              <a:t>println</a:t>
+            </a:r>
+            <a:r>
+              <a:rPr lang="en-US" sz="1400" dirty="0" smtClean="0">
+                <a:solidFill>
+                  <a:srgbClr val="FF0000"/>
+                </a:solidFill>
+                <a:latin typeface="Andale Mono"/>
+                <a:cs typeface="Andale Mono"/>
+              </a:rPr>
+              <a:t>(“I AM AWESOME”)</a:t>
+            </a:r>
+            <a:endParaRPr lang="en-US" sz="1400" dirty="0">
+              <a:solidFill>
+                <a:srgbClr val="FF0000"/>
+              </a:solidFill>
+              <a:latin typeface="Andale Mono"/>
+              <a:cs typeface="Andale Mono"/>
+            </a:endParaRPr>
+          </a:p>
+          <a:p>
+            <a:r>
+              <a:rPr lang="en-US" sz="1400" dirty="0" smtClean="0">
+                <a:solidFill>
+                  <a:srgbClr val="FF0000"/>
+                </a:solidFill>
+                <a:latin typeface="Andale Mono"/>
+                <a:cs typeface="Andale Mono"/>
+              </a:rPr>
+              <a:t>}</a:t>
+            </a:r>
+            <a:endParaRPr lang="en-US" sz="1400" dirty="0">
+              <a:solidFill>
+                <a:srgbClr val="FF0000"/>
+              </a:solidFill>
+              <a:latin typeface="Andale Mono"/>
+              <a:cs typeface="Andale Mono"/>
+            </a:endParaRPr>
+          </a:p>
+        </p:txBody>
+      </p:sp>
+      <p:sp>
+        <p:nvSpPr>
+          <p:cNvPr id="5" name="TextBox 4"/>
+          <p:cNvSpPr txBox="1"/>
+          <p:nvPr/>
+        </p:nvSpPr>
+        <p:spPr>
+          <a:xfrm>
+            <a:off x="3536082" y="4467311"/>
+            <a:ext cx="5440968" cy="338554"/>
+          </a:xfrm>
+          <a:prstGeom prst="rect">
+            <a:avLst/>
+          </a:prstGeom>
+          <a:noFill/>
+        </p:spPr>
+        <p:txBody>
+          <a:bodyPr wrap="square" rtlCol="0">
+            <a:spAutoFit/>
+          </a:bodyPr>
+          <a:lstStyle/>
+          <a:p>
+            <a:pPr algn="r"/>
+            <a:r>
+              <a:rPr lang="en-US" sz="1600" dirty="0" err="1" smtClean="0"/>
+              <a:t>func</a:t>
+            </a:r>
+            <a:r>
+              <a:rPr lang="en-US" sz="1600" dirty="0" smtClean="0"/>
+              <a:t>-comp/</a:t>
+            </a:r>
+            <a:r>
+              <a:rPr lang="en-US" sz="1600" dirty="0" err="1" smtClean="0"/>
+              <a:t>src</a:t>
+            </a:r>
+            <a:r>
+              <a:rPr lang="en-US" sz="1600" dirty="0" smtClean="0"/>
+              <a:t>/main/</a:t>
+            </a:r>
+            <a:r>
+              <a:rPr lang="en-US" sz="1600" dirty="0" err="1" smtClean="0"/>
+              <a:t>scala</a:t>
+            </a:r>
+            <a:r>
+              <a:rPr lang="en-US" sz="1600" dirty="0" smtClean="0"/>
+              <a:t>/cs220/control/Control05.scala</a:t>
+            </a:r>
+            <a:endParaRPr lang="en-US" sz="1600" dirty="0"/>
+          </a:p>
+        </p:txBody>
+      </p:sp>
+    </p:spTree>
+    <p:extLst>
+      <p:ext uri="{BB962C8B-B14F-4D97-AF65-F5344CB8AC3E}">
+        <p14:creationId xmlns:p14="http://schemas.microsoft.com/office/powerpoint/2010/main" val="1779863612"/>
       </p:ext>
     </p:extLst>
   </p:cSld>
